--- a/PrésentationV3.pptx
+++ b/PrésentationV3.pptx
@@ -127,7 +127,7 @@
   </p:defaultTextStyle>
   <p:extLst>
     <p:ext uri="{EFAFB233-063F-42B5-8137-9DF3F51BA10A}">
-      <p15:sldGuideLst xmlns="" xmlns:p15="http://schemas.microsoft.com/office/powerpoint/2012/main">
+      <p15:sldGuideLst xmlns:p15="http://schemas.microsoft.com/office/powerpoint/2012/main" xmlns="">
         <p15:guide id="1" orient="horz" pos="2160">
           <p15:clr>
             <a:srgbClr val="A4A3A4"/>
@@ -1343,7 +1343,7 @@
           <a:blip xmlns:r="http://schemas.openxmlformats.org/officeDocument/2006/relationships" r:embed="rId1">
             <a:extLst>
               <a:ext uri="{28A0092B-C50C-407E-A947-70E740481C1C}">
-                <a14:useLocalDpi xmlns="" xmlns:a14="http://schemas.microsoft.com/office/drawing/2010/main" val="0"/>
+                <a14:useLocalDpi xmlns:a14="http://schemas.microsoft.com/office/drawing/2010/main" xmlns="" val="0"/>
               </a:ext>
             </a:extLst>
           </a:blip>
@@ -1438,7 +1438,7 @@
           <a:blip xmlns:r="http://schemas.openxmlformats.org/officeDocument/2006/relationships" r:embed="rId2" cstate="print">
             <a:extLst>
               <a:ext uri="{28A0092B-C50C-407E-A947-70E740481C1C}">
-                <a14:useLocalDpi xmlns="" xmlns:a14="http://schemas.microsoft.com/office/drawing/2010/main" val="0"/>
+                <a14:useLocalDpi xmlns:a14="http://schemas.microsoft.com/office/drawing/2010/main" xmlns="" val="0"/>
               </a:ext>
             </a:extLst>
           </a:blip>
@@ -1477,8 +1477,8 @@
     <dgm:cxn modelId="{92F3C149-9C66-455A-895B-324026FC7CEA}" srcId="{9BEFD7A0-E937-44CC-9B2D-11A9354C4860}" destId="{7CFA04A7-FB04-4A1D-8ED3-6427F47461C6}" srcOrd="0" destOrd="0" parTransId="{9121F7D7-1BC4-4551-BBB2-C8A8EAD3AA89}" sibTransId="{A1145709-80C2-4E38-9781-A2171230EEDC}"/>
     <dgm:cxn modelId="{705E0D8D-88CA-4C47-9FC1-6434C6529A54}" srcId="{73B6CC32-C9D5-4332-8E0D-EB34F183F1FB}" destId="{A6DD1FE7-953B-4348-A9A0-F2D5BEACEF7D}" srcOrd="1" destOrd="0" parTransId="{6E178300-03B7-414C-B549-B3718F172EE0}" sibTransId="{1DDD59AB-2194-411A-B3A0-607B9D6D4FA6}"/>
     <dgm:cxn modelId="{0E38B208-D164-405E-96B6-6B58A7DDD375}" type="presOf" srcId="{37CB93A6-CAD2-4516-AED4-983353B6BC85}" destId="{FA551BB3-B3AE-4194-A558-3607744B4810}" srcOrd="0" destOrd="1" presId="urn:microsoft.com/office/officeart/2005/8/layout/vList3#1"/>
+    <dgm:cxn modelId="{3475E321-D974-4AE8-B249-D0D67E69FAF6}" type="presOf" srcId="{A6DD1FE7-953B-4348-A9A0-F2D5BEACEF7D}" destId="{B322236E-E0D2-4200-902F-B35F697AE85F}" srcOrd="0" destOrd="0" presId="urn:microsoft.com/office/officeart/2005/8/layout/vList3#1"/>
     <dgm:cxn modelId="{1650B365-569B-4525-80C0-446F82DCB0F7}" srcId="{73B6CC32-C9D5-4332-8E0D-EB34F183F1FB}" destId="{BB581828-B7C4-4F5A-8ECE-7654EDE69F9D}" srcOrd="2" destOrd="0" parTransId="{11C1535D-7756-4ED3-9FF3-4D6FBA330A32}" sibTransId="{610A9A43-8594-44D3-AE31-8CB83B615A66}"/>
-    <dgm:cxn modelId="{3475E321-D974-4AE8-B249-D0D67E69FAF6}" type="presOf" srcId="{A6DD1FE7-953B-4348-A9A0-F2D5BEACEF7D}" destId="{B322236E-E0D2-4200-902F-B35F697AE85F}" srcOrd="0" destOrd="0" presId="urn:microsoft.com/office/officeart/2005/8/layout/vList3#1"/>
     <dgm:cxn modelId="{5C40F318-BBDA-48D9-B444-3BFC1CE8D968}" type="presOf" srcId="{BCBC9609-3B5A-47CB-AD5E-B2F84A869542}" destId="{FA551BB3-B3AE-4194-A558-3607744B4810}" srcOrd="0" destOrd="0" presId="urn:microsoft.com/office/officeart/2005/8/layout/vList3#1"/>
     <dgm:cxn modelId="{75986005-87E5-4710-9D85-03001A67D397}" srcId="{BB581828-B7C4-4F5A-8ECE-7654EDE69F9D}" destId="{C15E7F15-6EA5-4B8C-9486-84D98B128EEB}" srcOrd="0" destOrd="0" parTransId="{28567C06-377F-4D58-B2D9-7EFCDF599E8C}" sibTransId="{EC7FECC6-00A3-4977-AB8E-829BB7B8FE0D}"/>
     <dgm:cxn modelId="{763B531E-24E6-4971-B885-4F50DF1D7F65}" srcId="{73B6CC32-C9D5-4332-8E0D-EB34F183F1FB}" destId="{9BEFD7A0-E937-44CC-9B2D-11A9354C4860}" srcOrd="0" destOrd="0" parTransId="{93AE9A3F-B47D-4754-84D5-1C9C12B8977E}" sibTransId="{EB4C3E5D-00FC-433A-89E1-C61478551350}"/>
@@ -1630,7 +1630,7 @@
           <a:blip xmlns:r="http://schemas.openxmlformats.org/officeDocument/2006/relationships" r:embed="rId1">
             <a:extLst>
               <a:ext uri="{28A0092B-C50C-407E-A947-70E740481C1C}">
-                <a14:useLocalDpi xmlns="" xmlns:a14="http://schemas.microsoft.com/office/drawing/2010/main" val="0"/>
+                <a14:useLocalDpi xmlns:a14="http://schemas.microsoft.com/office/drawing/2010/main" xmlns="" val="0"/>
               </a:ext>
             </a:extLst>
           </a:blip>
@@ -2071,7 +2071,7 @@
           <a:blip xmlns:r="http://schemas.openxmlformats.org/officeDocument/2006/relationships" r:embed="rId2" cstate="print">
             <a:extLst>
               <a:ext uri="{28A0092B-C50C-407E-A947-70E740481C1C}">
-                <a14:useLocalDpi xmlns="" xmlns:a14="http://schemas.microsoft.com/office/drawing/2010/main" val="0"/>
+                <a14:useLocalDpi xmlns:a14="http://schemas.microsoft.com/office/drawing/2010/main" xmlns="" val="0"/>
               </a:ext>
             </a:extLst>
           </a:blip>
@@ -3695,14 +3695,14 @@
           </a:ln>
           <a:extLst>
             <a:ext uri="{909E8E84-426E-40DD-AFC4-6F175D3DCCD1}">
-              <a14:hiddenFill xmlns="" xmlns:a14="http://schemas.microsoft.com/office/drawing/2010/main">
+              <a14:hiddenFill xmlns:a14="http://schemas.microsoft.com/office/drawing/2010/main" xmlns="">
                 <a:solidFill>
                   <a:srgbClr val="FFFFFF"/>
                 </a:solidFill>
               </a14:hiddenFill>
             </a:ext>
             <a:ext uri="{FAA26D3D-D897-4be2-8F04-BA451C77F1D7}">
-              <ma14:placeholderFlag xmlns="" xmlns:ma14="http://schemas.microsoft.com/office/mac/drawingml/2011/main" val="1"/>
+              <ma14:placeholderFlag xmlns:ma14="http://schemas.microsoft.com/office/mac/drawingml/2011/main" xmlns="" val="1"/>
             </a:ext>
           </a:extLst>
         </p:spPr>
@@ -3721,14 +3721,14 @@
           <a:noFill/>
           <a:extLst>
             <a:ext uri="{909E8E84-426E-40DD-AFC4-6F175D3DCCD1}">
-              <a14:hiddenFill xmlns="" xmlns:a14="http://schemas.microsoft.com/office/drawing/2010/main">
+              <a14:hiddenFill xmlns:a14="http://schemas.microsoft.com/office/drawing/2010/main" xmlns="">
                 <a:solidFill>
                   <a:srgbClr val="FFFFFF"/>
                 </a:solidFill>
               </a14:hiddenFill>
             </a:ext>
             <a:ext uri="{91240B29-F687-4F45-9708-019B960494DF}">
-              <a14:hiddenLine xmlns="" xmlns:a14="http://schemas.microsoft.com/office/drawing/2010/main" w="9525">
+              <a14:hiddenLine xmlns:a14="http://schemas.microsoft.com/office/drawing/2010/main" xmlns="" w="9525">
                 <a:solidFill>
                   <a:srgbClr val="000000"/>
                 </a:solidFill>
@@ -3738,7 +3738,7 @@
               </a14:hiddenLine>
             </a:ext>
             <a:ext uri="{FAA26D3D-D897-4be2-8F04-BA451C77F1D7}">
-              <ma14:placeholderFlag xmlns="" xmlns:ma14="http://schemas.microsoft.com/office/mac/drawingml/2011/main" val="1"/>
+              <ma14:placeholderFlag xmlns:ma14="http://schemas.microsoft.com/office/mac/drawingml/2011/main" xmlns="" val="1"/>
             </a:ext>
           </a:extLst>
         </p:spPr>
@@ -3773,14 +3773,14 @@
           <a:noFill/>
           <a:extLst>
             <a:ext uri="{909E8E84-426E-40DD-AFC4-6F175D3DCCD1}">
-              <a14:hiddenFill xmlns="" xmlns:a14="http://schemas.microsoft.com/office/drawing/2010/main">
+              <a14:hiddenFill xmlns:a14="http://schemas.microsoft.com/office/drawing/2010/main" xmlns="">
                 <a:solidFill>
                   <a:srgbClr val="FFFFFF"/>
                 </a:solidFill>
               </a14:hiddenFill>
             </a:ext>
             <a:ext uri="{91240B29-F687-4F45-9708-019B960494DF}">
-              <a14:hiddenLine xmlns="" xmlns:a14="http://schemas.microsoft.com/office/drawing/2010/main" w="9525">
+              <a14:hiddenLine xmlns:a14="http://schemas.microsoft.com/office/drawing/2010/main" xmlns="" w="9525">
                 <a:solidFill>
                   <a:srgbClr val="000000"/>
                 </a:solidFill>
@@ -3917,7 +3917,7 @@
     </p:spTree>
     <p:extLst>
       <p:ext uri="{BB962C8B-B14F-4D97-AF65-F5344CB8AC3E}">
-        <p14:creationId xmlns="" xmlns:p14="http://schemas.microsoft.com/office/powerpoint/2010/main" val="586429286"/>
+        <p14:creationId xmlns:p14="http://schemas.microsoft.com/office/powerpoint/2010/main" xmlns="" val="586429286"/>
       </p:ext>
     </p:extLst>
   </p:cSld>
@@ -3966,14 +3966,14 @@
           </a:ln>
           <a:extLst>
             <a:ext uri="{909E8E84-426E-40DD-AFC4-6F175D3DCCD1}">
-              <a14:hiddenFill xmlns="" xmlns:a14="http://schemas.microsoft.com/office/drawing/2010/main">
+              <a14:hiddenFill xmlns:a14="http://schemas.microsoft.com/office/drawing/2010/main" xmlns="">
                 <a:solidFill>
                   <a:srgbClr val="FFFFFF"/>
                 </a:solidFill>
               </a14:hiddenFill>
             </a:ext>
             <a:ext uri="{FAA26D3D-D897-4be2-8F04-BA451C77F1D7}">
-              <ma14:placeholderFlag xmlns="" xmlns:ma14="http://schemas.microsoft.com/office/mac/drawingml/2011/main" val="1"/>
+              <ma14:placeholderFlag xmlns:ma14="http://schemas.microsoft.com/office/mac/drawingml/2011/main" xmlns="" val="1"/>
             </a:ext>
           </a:extLst>
         </p:spPr>
@@ -3992,14 +3992,14 @@
           <a:noFill/>
           <a:extLst>
             <a:ext uri="{909E8E84-426E-40DD-AFC4-6F175D3DCCD1}">
-              <a14:hiddenFill xmlns="" xmlns:a14="http://schemas.microsoft.com/office/drawing/2010/main">
+              <a14:hiddenFill xmlns:a14="http://schemas.microsoft.com/office/drawing/2010/main" xmlns="">
                 <a:solidFill>
                   <a:srgbClr val="FFFFFF"/>
                 </a:solidFill>
               </a14:hiddenFill>
             </a:ext>
             <a:ext uri="{91240B29-F687-4F45-9708-019B960494DF}">
-              <a14:hiddenLine xmlns="" xmlns:a14="http://schemas.microsoft.com/office/drawing/2010/main" w="9525">
+              <a14:hiddenLine xmlns:a14="http://schemas.microsoft.com/office/drawing/2010/main" xmlns="" w="9525">
                 <a:solidFill>
                   <a:srgbClr val="000000"/>
                 </a:solidFill>
@@ -4009,7 +4009,7 @@
               </a14:hiddenLine>
             </a:ext>
             <a:ext uri="{FAA26D3D-D897-4be2-8F04-BA451C77F1D7}">
-              <ma14:placeholderFlag xmlns="" xmlns:ma14="http://schemas.microsoft.com/office/mac/drawingml/2011/main" val="1"/>
+              <ma14:placeholderFlag xmlns:ma14="http://schemas.microsoft.com/office/mac/drawingml/2011/main" xmlns="" val="1"/>
             </a:ext>
           </a:extLst>
         </p:spPr>
@@ -4044,14 +4044,14 @@
           <a:noFill/>
           <a:extLst>
             <a:ext uri="{909E8E84-426E-40DD-AFC4-6F175D3DCCD1}">
-              <a14:hiddenFill xmlns="" xmlns:a14="http://schemas.microsoft.com/office/drawing/2010/main">
+              <a14:hiddenFill xmlns:a14="http://schemas.microsoft.com/office/drawing/2010/main" xmlns="">
                 <a:solidFill>
                   <a:srgbClr val="FFFFFF"/>
                 </a:solidFill>
               </a14:hiddenFill>
             </a:ext>
             <a:ext uri="{91240B29-F687-4F45-9708-019B960494DF}">
-              <a14:hiddenLine xmlns="" xmlns:a14="http://schemas.microsoft.com/office/drawing/2010/main" w="9525">
+              <a14:hiddenLine xmlns:a14="http://schemas.microsoft.com/office/drawing/2010/main" xmlns="" w="9525">
                 <a:solidFill>
                   <a:srgbClr val="000000"/>
                 </a:solidFill>
@@ -4188,7 +4188,7 @@
     </p:spTree>
     <p:extLst>
       <p:ext uri="{BB962C8B-B14F-4D97-AF65-F5344CB8AC3E}">
-        <p14:creationId xmlns="" xmlns:p14="http://schemas.microsoft.com/office/powerpoint/2010/main" val="1783503581"/>
+        <p14:creationId xmlns:p14="http://schemas.microsoft.com/office/powerpoint/2010/main" xmlns="" val="1783503581"/>
       </p:ext>
     </p:extLst>
   </p:cSld>
@@ -4237,14 +4237,14 @@
           </a:ln>
           <a:extLst>
             <a:ext uri="{909E8E84-426E-40DD-AFC4-6F175D3DCCD1}">
-              <a14:hiddenFill xmlns="" xmlns:a14="http://schemas.microsoft.com/office/drawing/2010/main">
+              <a14:hiddenFill xmlns:a14="http://schemas.microsoft.com/office/drawing/2010/main" xmlns="">
                 <a:solidFill>
                   <a:srgbClr val="FFFFFF"/>
                 </a:solidFill>
               </a14:hiddenFill>
             </a:ext>
             <a:ext uri="{FAA26D3D-D897-4be2-8F04-BA451C77F1D7}">
-              <ma14:placeholderFlag xmlns="" xmlns:ma14="http://schemas.microsoft.com/office/mac/drawingml/2011/main" val="1"/>
+              <ma14:placeholderFlag xmlns:ma14="http://schemas.microsoft.com/office/mac/drawingml/2011/main" xmlns="" val="1"/>
             </a:ext>
           </a:extLst>
         </p:spPr>
@@ -4263,14 +4263,14 @@
           <a:noFill/>
           <a:extLst>
             <a:ext uri="{909E8E84-426E-40DD-AFC4-6F175D3DCCD1}">
-              <a14:hiddenFill xmlns="" xmlns:a14="http://schemas.microsoft.com/office/drawing/2010/main">
+              <a14:hiddenFill xmlns:a14="http://schemas.microsoft.com/office/drawing/2010/main" xmlns="">
                 <a:solidFill>
                   <a:srgbClr val="FFFFFF"/>
                 </a:solidFill>
               </a14:hiddenFill>
             </a:ext>
             <a:ext uri="{91240B29-F687-4F45-9708-019B960494DF}">
-              <a14:hiddenLine xmlns="" xmlns:a14="http://schemas.microsoft.com/office/drawing/2010/main" w="9525">
+              <a14:hiddenLine xmlns:a14="http://schemas.microsoft.com/office/drawing/2010/main" xmlns="" w="9525">
                 <a:solidFill>
                   <a:srgbClr val="000000"/>
                 </a:solidFill>
@@ -4280,7 +4280,7 @@
               </a14:hiddenLine>
             </a:ext>
             <a:ext uri="{FAA26D3D-D897-4be2-8F04-BA451C77F1D7}">
-              <ma14:placeholderFlag xmlns="" xmlns:ma14="http://schemas.microsoft.com/office/mac/drawingml/2011/main" val="1"/>
+              <ma14:placeholderFlag xmlns:ma14="http://schemas.microsoft.com/office/mac/drawingml/2011/main" xmlns="" val="1"/>
             </a:ext>
           </a:extLst>
         </p:spPr>
@@ -4315,14 +4315,14 @@
           <a:noFill/>
           <a:extLst>
             <a:ext uri="{909E8E84-426E-40DD-AFC4-6F175D3DCCD1}">
-              <a14:hiddenFill xmlns="" xmlns:a14="http://schemas.microsoft.com/office/drawing/2010/main">
+              <a14:hiddenFill xmlns:a14="http://schemas.microsoft.com/office/drawing/2010/main" xmlns="">
                 <a:solidFill>
                   <a:srgbClr val="FFFFFF"/>
                 </a:solidFill>
               </a14:hiddenFill>
             </a:ext>
             <a:ext uri="{91240B29-F687-4F45-9708-019B960494DF}">
-              <a14:hiddenLine xmlns="" xmlns:a14="http://schemas.microsoft.com/office/drawing/2010/main" w="9525">
+              <a14:hiddenLine xmlns:a14="http://schemas.microsoft.com/office/drawing/2010/main" xmlns="" w="9525">
                 <a:solidFill>
                   <a:srgbClr val="000000"/>
                 </a:solidFill>
@@ -4459,7 +4459,7 @@
     </p:spTree>
     <p:extLst>
       <p:ext uri="{BB962C8B-B14F-4D97-AF65-F5344CB8AC3E}">
-        <p14:creationId xmlns="" xmlns:p14="http://schemas.microsoft.com/office/powerpoint/2010/main" val="1622429336"/>
+        <p14:creationId xmlns:p14="http://schemas.microsoft.com/office/powerpoint/2010/main" xmlns="" val="1622429336"/>
       </p:ext>
     </p:extLst>
   </p:cSld>
@@ -4508,14 +4508,14 @@
           </a:ln>
           <a:extLst>
             <a:ext uri="{909E8E84-426E-40DD-AFC4-6F175D3DCCD1}">
-              <a14:hiddenFill xmlns="" xmlns:a14="http://schemas.microsoft.com/office/drawing/2010/main">
+              <a14:hiddenFill xmlns:a14="http://schemas.microsoft.com/office/drawing/2010/main" xmlns="">
                 <a:solidFill>
                   <a:srgbClr val="FFFFFF"/>
                 </a:solidFill>
               </a14:hiddenFill>
             </a:ext>
             <a:ext uri="{FAA26D3D-D897-4be2-8F04-BA451C77F1D7}">
-              <ma14:placeholderFlag xmlns="" xmlns:ma14="http://schemas.microsoft.com/office/mac/drawingml/2011/main" val="1"/>
+              <ma14:placeholderFlag xmlns:ma14="http://schemas.microsoft.com/office/mac/drawingml/2011/main" xmlns="" val="1"/>
             </a:ext>
           </a:extLst>
         </p:spPr>
@@ -4534,14 +4534,14 @@
           <a:noFill/>
           <a:extLst>
             <a:ext uri="{909E8E84-426E-40DD-AFC4-6F175D3DCCD1}">
-              <a14:hiddenFill xmlns="" xmlns:a14="http://schemas.microsoft.com/office/drawing/2010/main">
+              <a14:hiddenFill xmlns:a14="http://schemas.microsoft.com/office/drawing/2010/main" xmlns="">
                 <a:solidFill>
                   <a:srgbClr val="FFFFFF"/>
                 </a:solidFill>
               </a14:hiddenFill>
             </a:ext>
             <a:ext uri="{91240B29-F687-4F45-9708-019B960494DF}">
-              <a14:hiddenLine xmlns="" xmlns:a14="http://schemas.microsoft.com/office/drawing/2010/main" w="9525">
+              <a14:hiddenLine xmlns:a14="http://schemas.microsoft.com/office/drawing/2010/main" xmlns="" w="9525">
                 <a:solidFill>
                   <a:srgbClr val="000000"/>
                 </a:solidFill>
@@ -4551,7 +4551,7 @@
               </a14:hiddenLine>
             </a:ext>
             <a:ext uri="{FAA26D3D-D897-4be2-8F04-BA451C77F1D7}">
-              <ma14:placeholderFlag xmlns="" xmlns:ma14="http://schemas.microsoft.com/office/mac/drawingml/2011/main" val="1"/>
+              <ma14:placeholderFlag xmlns:ma14="http://schemas.microsoft.com/office/mac/drawingml/2011/main" xmlns="" val="1"/>
             </a:ext>
           </a:extLst>
         </p:spPr>
@@ -4586,14 +4586,14 @@
           <a:noFill/>
           <a:extLst>
             <a:ext uri="{909E8E84-426E-40DD-AFC4-6F175D3DCCD1}">
-              <a14:hiddenFill xmlns="" xmlns:a14="http://schemas.microsoft.com/office/drawing/2010/main">
+              <a14:hiddenFill xmlns:a14="http://schemas.microsoft.com/office/drawing/2010/main" xmlns="">
                 <a:solidFill>
                   <a:srgbClr val="FFFFFF"/>
                 </a:solidFill>
               </a14:hiddenFill>
             </a:ext>
             <a:ext uri="{91240B29-F687-4F45-9708-019B960494DF}">
-              <a14:hiddenLine xmlns="" xmlns:a14="http://schemas.microsoft.com/office/drawing/2010/main" w="9525">
+              <a14:hiddenLine xmlns:a14="http://schemas.microsoft.com/office/drawing/2010/main" xmlns="" w="9525">
                 <a:solidFill>
                   <a:srgbClr val="000000"/>
                 </a:solidFill>
@@ -4730,7 +4730,7 @@
     </p:spTree>
     <p:extLst>
       <p:ext uri="{BB962C8B-B14F-4D97-AF65-F5344CB8AC3E}">
-        <p14:creationId xmlns="" xmlns:p14="http://schemas.microsoft.com/office/powerpoint/2010/main" val="1783503581"/>
+        <p14:creationId xmlns:p14="http://schemas.microsoft.com/office/powerpoint/2010/main" xmlns="" val="1783503581"/>
       </p:ext>
     </p:extLst>
   </p:cSld>
@@ -4779,14 +4779,14 @@
           </a:ln>
           <a:extLst>
             <a:ext uri="{909E8E84-426E-40DD-AFC4-6F175D3DCCD1}">
-              <a14:hiddenFill xmlns="" xmlns:a14="http://schemas.microsoft.com/office/drawing/2010/main">
+              <a14:hiddenFill xmlns:a14="http://schemas.microsoft.com/office/drawing/2010/main" xmlns="">
                 <a:solidFill>
                   <a:srgbClr val="FFFFFF"/>
                 </a:solidFill>
               </a14:hiddenFill>
             </a:ext>
             <a:ext uri="{FAA26D3D-D897-4be2-8F04-BA451C77F1D7}">
-              <ma14:placeholderFlag xmlns="" xmlns:ma14="http://schemas.microsoft.com/office/mac/drawingml/2011/main" val="1"/>
+              <ma14:placeholderFlag xmlns:ma14="http://schemas.microsoft.com/office/mac/drawingml/2011/main" xmlns="" val="1"/>
             </a:ext>
           </a:extLst>
         </p:spPr>
@@ -4805,14 +4805,14 @@
           <a:noFill/>
           <a:extLst>
             <a:ext uri="{909E8E84-426E-40DD-AFC4-6F175D3DCCD1}">
-              <a14:hiddenFill xmlns="" xmlns:a14="http://schemas.microsoft.com/office/drawing/2010/main">
+              <a14:hiddenFill xmlns:a14="http://schemas.microsoft.com/office/drawing/2010/main" xmlns="">
                 <a:solidFill>
                   <a:srgbClr val="FFFFFF"/>
                 </a:solidFill>
               </a14:hiddenFill>
             </a:ext>
             <a:ext uri="{91240B29-F687-4F45-9708-019B960494DF}">
-              <a14:hiddenLine xmlns="" xmlns:a14="http://schemas.microsoft.com/office/drawing/2010/main" w="9525">
+              <a14:hiddenLine xmlns:a14="http://schemas.microsoft.com/office/drawing/2010/main" xmlns="" w="9525">
                 <a:solidFill>
                   <a:srgbClr val="000000"/>
                 </a:solidFill>
@@ -4822,7 +4822,7 @@
               </a14:hiddenLine>
             </a:ext>
             <a:ext uri="{FAA26D3D-D897-4be2-8F04-BA451C77F1D7}">
-              <ma14:placeholderFlag xmlns="" xmlns:ma14="http://schemas.microsoft.com/office/mac/drawingml/2011/main" val="1"/>
+              <ma14:placeholderFlag xmlns:ma14="http://schemas.microsoft.com/office/mac/drawingml/2011/main" xmlns="" val="1"/>
             </a:ext>
           </a:extLst>
         </p:spPr>
@@ -4857,14 +4857,14 @@
           <a:noFill/>
           <a:extLst>
             <a:ext uri="{909E8E84-426E-40DD-AFC4-6F175D3DCCD1}">
-              <a14:hiddenFill xmlns="" xmlns:a14="http://schemas.microsoft.com/office/drawing/2010/main">
+              <a14:hiddenFill xmlns:a14="http://schemas.microsoft.com/office/drawing/2010/main" xmlns="">
                 <a:solidFill>
                   <a:srgbClr val="FFFFFF"/>
                 </a:solidFill>
               </a14:hiddenFill>
             </a:ext>
             <a:ext uri="{91240B29-F687-4F45-9708-019B960494DF}">
-              <a14:hiddenLine xmlns="" xmlns:a14="http://schemas.microsoft.com/office/drawing/2010/main" w="9525">
+              <a14:hiddenLine xmlns:a14="http://schemas.microsoft.com/office/drawing/2010/main" xmlns="" w="9525">
                 <a:solidFill>
                   <a:srgbClr val="000000"/>
                 </a:solidFill>
@@ -5001,7 +5001,7 @@
     </p:spTree>
     <p:extLst>
       <p:ext uri="{BB962C8B-B14F-4D97-AF65-F5344CB8AC3E}">
-        <p14:creationId xmlns="" xmlns:p14="http://schemas.microsoft.com/office/powerpoint/2010/main" val="1783503581"/>
+        <p14:creationId xmlns:p14="http://schemas.microsoft.com/office/powerpoint/2010/main" xmlns="" val="1783503581"/>
       </p:ext>
     </p:extLst>
   </p:cSld>
@@ -5050,14 +5050,14 @@
           </a:ln>
           <a:extLst>
             <a:ext uri="{909E8E84-426E-40DD-AFC4-6F175D3DCCD1}">
-              <a14:hiddenFill xmlns="" xmlns:a14="http://schemas.microsoft.com/office/drawing/2010/main">
+              <a14:hiddenFill xmlns:a14="http://schemas.microsoft.com/office/drawing/2010/main" xmlns="">
                 <a:solidFill>
                   <a:srgbClr val="FFFFFF"/>
                 </a:solidFill>
               </a14:hiddenFill>
             </a:ext>
             <a:ext uri="{FAA26D3D-D897-4be2-8F04-BA451C77F1D7}">
-              <ma14:placeholderFlag xmlns="" xmlns:ma14="http://schemas.microsoft.com/office/mac/drawingml/2011/main" val="1"/>
+              <ma14:placeholderFlag xmlns:ma14="http://schemas.microsoft.com/office/mac/drawingml/2011/main" xmlns="" val="1"/>
             </a:ext>
           </a:extLst>
         </p:spPr>
@@ -5076,14 +5076,14 @@
           <a:noFill/>
           <a:extLst>
             <a:ext uri="{909E8E84-426E-40DD-AFC4-6F175D3DCCD1}">
-              <a14:hiddenFill xmlns="" xmlns:a14="http://schemas.microsoft.com/office/drawing/2010/main">
+              <a14:hiddenFill xmlns:a14="http://schemas.microsoft.com/office/drawing/2010/main" xmlns="">
                 <a:solidFill>
                   <a:srgbClr val="FFFFFF"/>
                 </a:solidFill>
               </a14:hiddenFill>
             </a:ext>
             <a:ext uri="{91240B29-F687-4F45-9708-019B960494DF}">
-              <a14:hiddenLine xmlns="" xmlns:a14="http://schemas.microsoft.com/office/drawing/2010/main" w="9525">
+              <a14:hiddenLine xmlns:a14="http://schemas.microsoft.com/office/drawing/2010/main" xmlns="" w="9525">
                 <a:solidFill>
                   <a:srgbClr val="000000"/>
                 </a:solidFill>
@@ -5093,7 +5093,7 @@
               </a14:hiddenLine>
             </a:ext>
             <a:ext uri="{FAA26D3D-D897-4be2-8F04-BA451C77F1D7}">
-              <ma14:placeholderFlag xmlns="" xmlns:ma14="http://schemas.microsoft.com/office/mac/drawingml/2011/main" val="1"/>
+              <ma14:placeholderFlag xmlns:ma14="http://schemas.microsoft.com/office/mac/drawingml/2011/main" xmlns="" val="1"/>
             </a:ext>
           </a:extLst>
         </p:spPr>
@@ -5128,14 +5128,14 @@
           <a:noFill/>
           <a:extLst>
             <a:ext uri="{909E8E84-426E-40DD-AFC4-6F175D3DCCD1}">
-              <a14:hiddenFill xmlns="" xmlns:a14="http://schemas.microsoft.com/office/drawing/2010/main">
+              <a14:hiddenFill xmlns:a14="http://schemas.microsoft.com/office/drawing/2010/main" xmlns="">
                 <a:solidFill>
                   <a:srgbClr val="FFFFFF"/>
                 </a:solidFill>
               </a14:hiddenFill>
             </a:ext>
             <a:ext uri="{91240B29-F687-4F45-9708-019B960494DF}">
-              <a14:hiddenLine xmlns="" xmlns:a14="http://schemas.microsoft.com/office/drawing/2010/main" w="9525">
+              <a14:hiddenLine xmlns:a14="http://schemas.microsoft.com/office/drawing/2010/main" xmlns="" w="9525">
                 <a:solidFill>
                   <a:srgbClr val="000000"/>
                 </a:solidFill>
@@ -5272,7 +5272,7 @@
     </p:spTree>
     <p:extLst>
       <p:ext uri="{BB962C8B-B14F-4D97-AF65-F5344CB8AC3E}">
-        <p14:creationId xmlns="" xmlns:p14="http://schemas.microsoft.com/office/powerpoint/2010/main" val="1783503581"/>
+        <p14:creationId xmlns:p14="http://schemas.microsoft.com/office/powerpoint/2010/main" xmlns="" val="1783503581"/>
       </p:ext>
     </p:extLst>
   </p:cSld>
@@ -5321,14 +5321,14 @@
           </a:ln>
           <a:extLst>
             <a:ext uri="{909E8E84-426E-40DD-AFC4-6F175D3DCCD1}">
-              <a14:hiddenFill xmlns="" xmlns:a14="http://schemas.microsoft.com/office/drawing/2010/main">
+              <a14:hiddenFill xmlns:a14="http://schemas.microsoft.com/office/drawing/2010/main" xmlns="">
                 <a:solidFill>
                   <a:srgbClr val="FFFFFF"/>
                 </a:solidFill>
               </a14:hiddenFill>
             </a:ext>
             <a:ext uri="{FAA26D3D-D897-4be2-8F04-BA451C77F1D7}">
-              <ma14:placeholderFlag xmlns="" xmlns:ma14="http://schemas.microsoft.com/office/mac/drawingml/2011/main" val="1"/>
+              <ma14:placeholderFlag xmlns:ma14="http://schemas.microsoft.com/office/mac/drawingml/2011/main" xmlns="" val="1"/>
             </a:ext>
           </a:extLst>
         </p:spPr>
@@ -5347,14 +5347,14 @@
           <a:noFill/>
           <a:extLst>
             <a:ext uri="{909E8E84-426E-40DD-AFC4-6F175D3DCCD1}">
-              <a14:hiddenFill xmlns="" xmlns:a14="http://schemas.microsoft.com/office/drawing/2010/main">
+              <a14:hiddenFill xmlns:a14="http://schemas.microsoft.com/office/drawing/2010/main" xmlns="">
                 <a:solidFill>
                   <a:srgbClr val="FFFFFF"/>
                 </a:solidFill>
               </a14:hiddenFill>
             </a:ext>
             <a:ext uri="{91240B29-F687-4F45-9708-019B960494DF}">
-              <a14:hiddenLine xmlns="" xmlns:a14="http://schemas.microsoft.com/office/drawing/2010/main" w="9525">
+              <a14:hiddenLine xmlns:a14="http://schemas.microsoft.com/office/drawing/2010/main" xmlns="" w="9525">
                 <a:solidFill>
                   <a:srgbClr val="000000"/>
                 </a:solidFill>
@@ -5364,7 +5364,7 @@
               </a14:hiddenLine>
             </a:ext>
             <a:ext uri="{FAA26D3D-D897-4be2-8F04-BA451C77F1D7}">
-              <ma14:placeholderFlag xmlns="" xmlns:ma14="http://schemas.microsoft.com/office/mac/drawingml/2011/main" val="1"/>
+              <ma14:placeholderFlag xmlns:ma14="http://schemas.microsoft.com/office/mac/drawingml/2011/main" xmlns="" val="1"/>
             </a:ext>
           </a:extLst>
         </p:spPr>
@@ -5399,14 +5399,14 @@
           <a:noFill/>
           <a:extLst>
             <a:ext uri="{909E8E84-426E-40DD-AFC4-6F175D3DCCD1}">
-              <a14:hiddenFill xmlns="" xmlns:a14="http://schemas.microsoft.com/office/drawing/2010/main">
+              <a14:hiddenFill xmlns:a14="http://schemas.microsoft.com/office/drawing/2010/main" xmlns="">
                 <a:solidFill>
                   <a:srgbClr val="FFFFFF"/>
                 </a:solidFill>
               </a14:hiddenFill>
             </a:ext>
             <a:ext uri="{91240B29-F687-4F45-9708-019B960494DF}">
-              <a14:hiddenLine xmlns="" xmlns:a14="http://schemas.microsoft.com/office/drawing/2010/main" w="9525">
+              <a14:hiddenLine xmlns:a14="http://schemas.microsoft.com/office/drawing/2010/main" xmlns="" w="9525">
                 <a:solidFill>
                   <a:srgbClr val="000000"/>
                 </a:solidFill>
@@ -5543,7 +5543,7 @@
     </p:spTree>
     <p:extLst>
       <p:ext uri="{BB962C8B-B14F-4D97-AF65-F5344CB8AC3E}">
-        <p14:creationId xmlns="" xmlns:p14="http://schemas.microsoft.com/office/powerpoint/2010/main" val="1622429336"/>
+        <p14:creationId xmlns:p14="http://schemas.microsoft.com/office/powerpoint/2010/main" xmlns="" val="1622429336"/>
       </p:ext>
     </p:extLst>
   </p:cSld>
@@ -5592,14 +5592,14 @@
           </a:ln>
           <a:extLst>
             <a:ext uri="{909E8E84-426E-40DD-AFC4-6F175D3DCCD1}">
-              <a14:hiddenFill xmlns="" xmlns:a14="http://schemas.microsoft.com/office/drawing/2010/main">
+              <a14:hiddenFill xmlns:a14="http://schemas.microsoft.com/office/drawing/2010/main" xmlns="">
                 <a:solidFill>
                   <a:srgbClr val="FFFFFF"/>
                 </a:solidFill>
               </a14:hiddenFill>
             </a:ext>
             <a:ext uri="{FAA26D3D-D897-4be2-8F04-BA451C77F1D7}">
-              <ma14:placeholderFlag xmlns="" xmlns:ma14="http://schemas.microsoft.com/office/mac/drawingml/2011/main" val="1"/>
+              <ma14:placeholderFlag xmlns:ma14="http://schemas.microsoft.com/office/mac/drawingml/2011/main" xmlns="" val="1"/>
             </a:ext>
           </a:extLst>
         </p:spPr>
@@ -5618,14 +5618,14 @@
           <a:noFill/>
           <a:extLst>
             <a:ext uri="{909E8E84-426E-40DD-AFC4-6F175D3DCCD1}">
-              <a14:hiddenFill xmlns="" xmlns:a14="http://schemas.microsoft.com/office/drawing/2010/main">
+              <a14:hiddenFill xmlns:a14="http://schemas.microsoft.com/office/drawing/2010/main" xmlns="">
                 <a:solidFill>
                   <a:srgbClr val="FFFFFF"/>
                 </a:solidFill>
               </a14:hiddenFill>
             </a:ext>
             <a:ext uri="{91240B29-F687-4F45-9708-019B960494DF}">
-              <a14:hiddenLine xmlns="" xmlns:a14="http://schemas.microsoft.com/office/drawing/2010/main" w="9525">
+              <a14:hiddenLine xmlns:a14="http://schemas.microsoft.com/office/drawing/2010/main" xmlns="" w="9525">
                 <a:solidFill>
                   <a:srgbClr val="000000"/>
                 </a:solidFill>
@@ -5635,7 +5635,7 @@
               </a14:hiddenLine>
             </a:ext>
             <a:ext uri="{FAA26D3D-D897-4be2-8F04-BA451C77F1D7}">
-              <ma14:placeholderFlag xmlns="" xmlns:ma14="http://schemas.microsoft.com/office/mac/drawingml/2011/main" val="1"/>
+              <ma14:placeholderFlag xmlns:ma14="http://schemas.microsoft.com/office/mac/drawingml/2011/main" xmlns="" val="1"/>
             </a:ext>
           </a:extLst>
         </p:spPr>
@@ -5670,14 +5670,14 @@
           <a:noFill/>
           <a:extLst>
             <a:ext uri="{909E8E84-426E-40DD-AFC4-6F175D3DCCD1}">
-              <a14:hiddenFill xmlns="" xmlns:a14="http://schemas.microsoft.com/office/drawing/2010/main">
+              <a14:hiddenFill xmlns:a14="http://schemas.microsoft.com/office/drawing/2010/main" xmlns="">
                 <a:solidFill>
                   <a:srgbClr val="FFFFFF"/>
                 </a:solidFill>
               </a14:hiddenFill>
             </a:ext>
             <a:ext uri="{91240B29-F687-4F45-9708-019B960494DF}">
-              <a14:hiddenLine xmlns="" xmlns:a14="http://schemas.microsoft.com/office/drawing/2010/main" w="9525">
+              <a14:hiddenLine xmlns:a14="http://schemas.microsoft.com/office/drawing/2010/main" xmlns="" w="9525">
                 <a:solidFill>
                   <a:srgbClr val="000000"/>
                 </a:solidFill>
@@ -5814,7 +5814,7 @@
     </p:spTree>
     <p:extLst>
       <p:ext uri="{BB962C8B-B14F-4D97-AF65-F5344CB8AC3E}">
-        <p14:creationId xmlns="" xmlns:p14="http://schemas.microsoft.com/office/powerpoint/2010/main" val="3169188289"/>
+        <p14:creationId xmlns:p14="http://schemas.microsoft.com/office/powerpoint/2010/main" xmlns="" val="3169188289"/>
       </p:ext>
     </p:extLst>
   </p:cSld>
@@ -5863,14 +5863,14 @@
           </a:ln>
           <a:extLst>
             <a:ext uri="{909E8E84-426E-40DD-AFC4-6F175D3DCCD1}">
-              <a14:hiddenFill xmlns="" xmlns:a14="http://schemas.microsoft.com/office/drawing/2010/main">
+              <a14:hiddenFill xmlns:a14="http://schemas.microsoft.com/office/drawing/2010/main" xmlns="">
                 <a:solidFill>
                   <a:srgbClr val="FFFFFF"/>
                 </a:solidFill>
               </a14:hiddenFill>
             </a:ext>
             <a:ext uri="{FAA26D3D-D897-4be2-8F04-BA451C77F1D7}">
-              <ma14:placeholderFlag xmlns="" xmlns:ma14="http://schemas.microsoft.com/office/mac/drawingml/2011/main" val="1"/>
+              <ma14:placeholderFlag xmlns:ma14="http://schemas.microsoft.com/office/mac/drawingml/2011/main" xmlns="" val="1"/>
             </a:ext>
           </a:extLst>
         </p:spPr>
@@ -5889,14 +5889,14 @@
           <a:noFill/>
           <a:extLst>
             <a:ext uri="{909E8E84-426E-40DD-AFC4-6F175D3DCCD1}">
-              <a14:hiddenFill xmlns="" xmlns:a14="http://schemas.microsoft.com/office/drawing/2010/main">
+              <a14:hiddenFill xmlns:a14="http://schemas.microsoft.com/office/drawing/2010/main" xmlns="">
                 <a:solidFill>
                   <a:srgbClr val="FFFFFF"/>
                 </a:solidFill>
               </a14:hiddenFill>
             </a:ext>
             <a:ext uri="{91240B29-F687-4F45-9708-019B960494DF}">
-              <a14:hiddenLine xmlns="" xmlns:a14="http://schemas.microsoft.com/office/drawing/2010/main" w="9525">
+              <a14:hiddenLine xmlns:a14="http://schemas.microsoft.com/office/drawing/2010/main" xmlns="" w="9525">
                 <a:solidFill>
                   <a:srgbClr val="000000"/>
                 </a:solidFill>
@@ -5906,7 +5906,7 @@
               </a14:hiddenLine>
             </a:ext>
             <a:ext uri="{FAA26D3D-D897-4be2-8F04-BA451C77F1D7}">
-              <ma14:placeholderFlag xmlns="" xmlns:ma14="http://schemas.microsoft.com/office/mac/drawingml/2011/main" val="1"/>
+              <ma14:placeholderFlag xmlns:ma14="http://schemas.microsoft.com/office/mac/drawingml/2011/main" xmlns="" val="1"/>
             </a:ext>
           </a:extLst>
         </p:spPr>
@@ -5941,14 +5941,14 @@
           <a:noFill/>
           <a:extLst>
             <a:ext uri="{909E8E84-426E-40DD-AFC4-6F175D3DCCD1}">
-              <a14:hiddenFill xmlns="" xmlns:a14="http://schemas.microsoft.com/office/drawing/2010/main">
+              <a14:hiddenFill xmlns:a14="http://schemas.microsoft.com/office/drawing/2010/main" xmlns="">
                 <a:solidFill>
                   <a:srgbClr val="FFFFFF"/>
                 </a:solidFill>
               </a14:hiddenFill>
             </a:ext>
             <a:ext uri="{91240B29-F687-4F45-9708-019B960494DF}">
-              <a14:hiddenLine xmlns="" xmlns:a14="http://schemas.microsoft.com/office/drawing/2010/main" w="9525">
+              <a14:hiddenLine xmlns:a14="http://schemas.microsoft.com/office/drawing/2010/main" xmlns="" w="9525">
                 <a:solidFill>
                   <a:srgbClr val="000000"/>
                 </a:solidFill>
@@ -6085,7 +6085,7 @@
     </p:spTree>
     <p:extLst>
       <p:ext uri="{BB962C8B-B14F-4D97-AF65-F5344CB8AC3E}">
-        <p14:creationId xmlns="" xmlns:p14="http://schemas.microsoft.com/office/powerpoint/2010/main" val="586429286"/>
+        <p14:creationId xmlns:p14="http://schemas.microsoft.com/office/powerpoint/2010/main" xmlns="" val="586429286"/>
       </p:ext>
     </p:extLst>
   </p:cSld>
@@ -6134,14 +6134,14 @@
           </a:ln>
           <a:extLst>
             <a:ext uri="{909E8E84-426E-40DD-AFC4-6F175D3DCCD1}">
-              <a14:hiddenFill xmlns="" xmlns:a14="http://schemas.microsoft.com/office/drawing/2010/main">
+              <a14:hiddenFill xmlns:a14="http://schemas.microsoft.com/office/drawing/2010/main" xmlns="">
                 <a:solidFill>
                   <a:srgbClr val="FFFFFF"/>
                 </a:solidFill>
               </a14:hiddenFill>
             </a:ext>
             <a:ext uri="{FAA26D3D-D897-4be2-8F04-BA451C77F1D7}">
-              <ma14:placeholderFlag xmlns="" xmlns:ma14="http://schemas.microsoft.com/office/mac/drawingml/2011/main" val="1"/>
+              <ma14:placeholderFlag xmlns:ma14="http://schemas.microsoft.com/office/mac/drawingml/2011/main" xmlns="" val="1"/>
             </a:ext>
           </a:extLst>
         </p:spPr>
@@ -6160,14 +6160,14 @@
           <a:noFill/>
           <a:extLst>
             <a:ext uri="{909E8E84-426E-40DD-AFC4-6F175D3DCCD1}">
-              <a14:hiddenFill xmlns="" xmlns:a14="http://schemas.microsoft.com/office/drawing/2010/main">
+              <a14:hiddenFill xmlns:a14="http://schemas.microsoft.com/office/drawing/2010/main" xmlns="">
                 <a:solidFill>
                   <a:srgbClr val="FFFFFF"/>
                 </a:solidFill>
               </a14:hiddenFill>
             </a:ext>
             <a:ext uri="{91240B29-F687-4F45-9708-019B960494DF}">
-              <a14:hiddenLine xmlns="" xmlns:a14="http://schemas.microsoft.com/office/drawing/2010/main" w="9525">
+              <a14:hiddenLine xmlns:a14="http://schemas.microsoft.com/office/drawing/2010/main" xmlns="" w="9525">
                 <a:solidFill>
                   <a:srgbClr val="000000"/>
                 </a:solidFill>
@@ -6177,7 +6177,7 @@
               </a14:hiddenLine>
             </a:ext>
             <a:ext uri="{FAA26D3D-D897-4be2-8F04-BA451C77F1D7}">
-              <ma14:placeholderFlag xmlns="" xmlns:ma14="http://schemas.microsoft.com/office/mac/drawingml/2011/main" val="1"/>
+              <ma14:placeholderFlag xmlns:ma14="http://schemas.microsoft.com/office/mac/drawingml/2011/main" xmlns="" val="1"/>
             </a:ext>
           </a:extLst>
         </p:spPr>
@@ -6212,14 +6212,14 @@
           <a:noFill/>
           <a:extLst>
             <a:ext uri="{909E8E84-426E-40DD-AFC4-6F175D3DCCD1}">
-              <a14:hiddenFill xmlns="" xmlns:a14="http://schemas.microsoft.com/office/drawing/2010/main">
+              <a14:hiddenFill xmlns:a14="http://schemas.microsoft.com/office/drawing/2010/main" xmlns="">
                 <a:solidFill>
                   <a:srgbClr val="FFFFFF"/>
                 </a:solidFill>
               </a14:hiddenFill>
             </a:ext>
             <a:ext uri="{91240B29-F687-4F45-9708-019B960494DF}">
-              <a14:hiddenLine xmlns="" xmlns:a14="http://schemas.microsoft.com/office/drawing/2010/main" w="9525">
+              <a14:hiddenLine xmlns:a14="http://schemas.microsoft.com/office/drawing/2010/main" xmlns="" w="9525">
                 <a:solidFill>
                   <a:srgbClr val="000000"/>
                 </a:solidFill>
@@ -6356,7 +6356,7 @@
     </p:spTree>
     <p:extLst>
       <p:ext uri="{BB962C8B-B14F-4D97-AF65-F5344CB8AC3E}">
-        <p14:creationId xmlns="" xmlns:p14="http://schemas.microsoft.com/office/powerpoint/2010/main" val="3213362484"/>
+        <p14:creationId xmlns:p14="http://schemas.microsoft.com/office/powerpoint/2010/main" xmlns="" val="3213362484"/>
       </p:ext>
     </p:extLst>
   </p:cSld>
@@ -6405,14 +6405,14 @@
           </a:ln>
           <a:extLst>
             <a:ext uri="{909E8E84-426E-40DD-AFC4-6F175D3DCCD1}">
-              <a14:hiddenFill xmlns="" xmlns:a14="http://schemas.microsoft.com/office/drawing/2010/main">
+              <a14:hiddenFill xmlns:a14="http://schemas.microsoft.com/office/drawing/2010/main" xmlns="">
                 <a:solidFill>
                   <a:srgbClr val="FFFFFF"/>
                 </a:solidFill>
               </a14:hiddenFill>
             </a:ext>
             <a:ext uri="{FAA26D3D-D897-4be2-8F04-BA451C77F1D7}">
-              <ma14:placeholderFlag xmlns="" xmlns:ma14="http://schemas.microsoft.com/office/mac/drawingml/2011/main" val="1"/>
+              <ma14:placeholderFlag xmlns:ma14="http://schemas.microsoft.com/office/mac/drawingml/2011/main" xmlns="" val="1"/>
             </a:ext>
           </a:extLst>
         </p:spPr>
@@ -6431,14 +6431,14 @@
           <a:noFill/>
           <a:extLst>
             <a:ext uri="{909E8E84-426E-40DD-AFC4-6F175D3DCCD1}">
-              <a14:hiddenFill xmlns="" xmlns:a14="http://schemas.microsoft.com/office/drawing/2010/main">
+              <a14:hiddenFill xmlns:a14="http://schemas.microsoft.com/office/drawing/2010/main" xmlns="">
                 <a:solidFill>
                   <a:srgbClr val="FFFFFF"/>
                 </a:solidFill>
               </a14:hiddenFill>
             </a:ext>
             <a:ext uri="{91240B29-F687-4F45-9708-019B960494DF}">
-              <a14:hiddenLine xmlns="" xmlns:a14="http://schemas.microsoft.com/office/drawing/2010/main" w="9525">
+              <a14:hiddenLine xmlns:a14="http://schemas.microsoft.com/office/drawing/2010/main" xmlns="" w="9525">
                 <a:solidFill>
                   <a:srgbClr val="000000"/>
                 </a:solidFill>
@@ -6448,7 +6448,7 @@
               </a14:hiddenLine>
             </a:ext>
             <a:ext uri="{FAA26D3D-D897-4be2-8F04-BA451C77F1D7}">
-              <ma14:placeholderFlag xmlns="" xmlns:ma14="http://schemas.microsoft.com/office/mac/drawingml/2011/main" val="1"/>
+              <ma14:placeholderFlag xmlns:ma14="http://schemas.microsoft.com/office/mac/drawingml/2011/main" xmlns="" val="1"/>
             </a:ext>
           </a:extLst>
         </p:spPr>
@@ -6483,14 +6483,14 @@
           <a:noFill/>
           <a:extLst>
             <a:ext uri="{909E8E84-426E-40DD-AFC4-6F175D3DCCD1}">
-              <a14:hiddenFill xmlns="" xmlns:a14="http://schemas.microsoft.com/office/drawing/2010/main">
+              <a14:hiddenFill xmlns:a14="http://schemas.microsoft.com/office/drawing/2010/main" xmlns="">
                 <a:solidFill>
                   <a:srgbClr val="FFFFFF"/>
                 </a:solidFill>
               </a14:hiddenFill>
             </a:ext>
             <a:ext uri="{91240B29-F687-4F45-9708-019B960494DF}">
-              <a14:hiddenLine xmlns="" xmlns:a14="http://schemas.microsoft.com/office/drawing/2010/main" w="9525">
+              <a14:hiddenLine xmlns:a14="http://schemas.microsoft.com/office/drawing/2010/main" xmlns="" w="9525">
                 <a:solidFill>
                   <a:srgbClr val="000000"/>
                 </a:solidFill>
@@ -6627,7 +6627,7 @@
     </p:spTree>
     <p:extLst>
       <p:ext uri="{BB962C8B-B14F-4D97-AF65-F5344CB8AC3E}">
-        <p14:creationId xmlns="" xmlns:p14="http://schemas.microsoft.com/office/powerpoint/2010/main" val="586429286"/>
+        <p14:creationId xmlns:p14="http://schemas.microsoft.com/office/powerpoint/2010/main" xmlns="" val="586429286"/>
       </p:ext>
     </p:extLst>
   </p:cSld>
@@ -6676,14 +6676,14 @@
           </a:ln>
           <a:extLst>
             <a:ext uri="{909E8E84-426E-40DD-AFC4-6F175D3DCCD1}">
-              <a14:hiddenFill xmlns="" xmlns:a14="http://schemas.microsoft.com/office/drawing/2010/main">
+              <a14:hiddenFill xmlns:a14="http://schemas.microsoft.com/office/drawing/2010/main" xmlns="">
                 <a:solidFill>
                   <a:srgbClr val="FFFFFF"/>
                 </a:solidFill>
               </a14:hiddenFill>
             </a:ext>
             <a:ext uri="{FAA26D3D-D897-4be2-8F04-BA451C77F1D7}">
-              <ma14:placeholderFlag xmlns="" xmlns:ma14="http://schemas.microsoft.com/office/mac/drawingml/2011/main" val="1"/>
+              <ma14:placeholderFlag xmlns:ma14="http://schemas.microsoft.com/office/mac/drawingml/2011/main" xmlns="" val="1"/>
             </a:ext>
           </a:extLst>
         </p:spPr>
@@ -6702,14 +6702,14 @@
           <a:noFill/>
           <a:extLst>
             <a:ext uri="{909E8E84-426E-40DD-AFC4-6F175D3DCCD1}">
-              <a14:hiddenFill xmlns="" xmlns:a14="http://schemas.microsoft.com/office/drawing/2010/main">
+              <a14:hiddenFill xmlns:a14="http://schemas.microsoft.com/office/drawing/2010/main" xmlns="">
                 <a:solidFill>
                   <a:srgbClr val="FFFFFF"/>
                 </a:solidFill>
               </a14:hiddenFill>
             </a:ext>
             <a:ext uri="{91240B29-F687-4F45-9708-019B960494DF}">
-              <a14:hiddenLine xmlns="" xmlns:a14="http://schemas.microsoft.com/office/drawing/2010/main" w="9525">
+              <a14:hiddenLine xmlns:a14="http://schemas.microsoft.com/office/drawing/2010/main" xmlns="" w="9525">
                 <a:solidFill>
                   <a:srgbClr val="000000"/>
                 </a:solidFill>
@@ -6719,7 +6719,7 @@
               </a14:hiddenLine>
             </a:ext>
             <a:ext uri="{FAA26D3D-D897-4be2-8F04-BA451C77F1D7}">
-              <ma14:placeholderFlag xmlns="" xmlns:ma14="http://schemas.microsoft.com/office/mac/drawingml/2011/main" val="1"/>
+              <ma14:placeholderFlag xmlns:ma14="http://schemas.microsoft.com/office/mac/drawingml/2011/main" xmlns="" val="1"/>
             </a:ext>
           </a:extLst>
         </p:spPr>
@@ -6754,14 +6754,14 @@
           <a:noFill/>
           <a:extLst>
             <a:ext uri="{909E8E84-426E-40DD-AFC4-6F175D3DCCD1}">
-              <a14:hiddenFill xmlns="" xmlns:a14="http://schemas.microsoft.com/office/drawing/2010/main">
+              <a14:hiddenFill xmlns:a14="http://schemas.microsoft.com/office/drawing/2010/main" xmlns="">
                 <a:solidFill>
                   <a:srgbClr val="FFFFFF"/>
                 </a:solidFill>
               </a14:hiddenFill>
             </a:ext>
             <a:ext uri="{91240B29-F687-4F45-9708-019B960494DF}">
-              <a14:hiddenLine xmlns="" xmlns:a14="http://schemas.microsoft.com/office/drawing/2010/main" w="9525">
+              <a14:hiddenLine xmlns:a14="http://schemas.microsoft.com/office/drawing/2010/main" xmlns="" w="9525">
                 <a:solidFill>
                   <a:srgbClr val="000000"/>
                 </a:solidFill>
@@ -6898,7 +6898,7 @@
     </p:spTree>
     <p:extLst>
       <p:ext uri="{BB962C8B-B14F-4D97-AF65-F5344CB8AC3E}">
-        <p14:creationId xmlns="" xmlns:p14="http://schemas.microsoft.com/office/powerpoint/2010/main" val="1123418692"/>
+        <p14:creationId xmlns:p14="http://schemas.microsoft.com/office/powerpoint/2010/main" xmlns="" val="1123418692"/>
       </p:ext>
     </p:extLst>
   </p:cSld>
@@ -6947,14 +6947,14 @@
           </a:ln>
           <a:extLst>
             <a:ext uri="{909E8E84-426E-40DD-AFC4-6F175D3DCCD1}">
-              <a14:hiddenFill xmlns="" xmlns:a14="http://schemas.microsoft.com/office/drawing/2010/main">
+              <a14:hiddenFill xmlns:a14="http://schemas.microsoft.com/office/drawing/2010/main" xmlns="">
                 <a:solidFill>
                   <a:srgbClr val="FFFFFF"/>
                 </a:solidFill>
               </a14:hiddenFill>
             </a:ext>
             <a:ext uri="{FAA26D3D-D897-4be2-8F04-BA451C77F1D7}">
-              <ma14:placeholderFlag xmlns="" xmlns:ma14="http://schemas.microsoft.com/office/mac/drawingml/2011/main" val="1"/>
+              <ma14:placeholderFlag xmlns:ma14="http://schemas.microsoft.com/office/mac/drawingml/2011/main" xmlns="" val="1"/>
             </a:ext>
           </a:extLst>
         </p:spPr>
@@ -6973,14 +6973,14 @@
           <a:noFill/>
           <a:extLst>
             <a:ext uri="{909E8E84-426E-40DD-AFC4-6F175D3DCCD1}">
-              <a14:hiddenFill xmlns="" xmlns:a14="http://schemas.microsoft.com/office/drawing/2010/main">
+              <a14:hiddenFill xmlns:a14="http://schemas.microsoft.com/office/drawing/2010/main" xmlns="">
                 <a:solidFill>
                   <a:srgbClr val="FFFFFF"/>
                 </a:solidFill>
               </a14:hiddenFill>
             </a:ext>
             <a:ext uri="{91240B29-F687-4F45-9708-019B960494DF}">
-              <a14:hiddenLine xmlns="" xmlns:a14="http://schemas.microsoft.com/office/drawing/2010/main" w="9525">
+              <a14:hiddenLine xmlns:a14="http://schemas.microsoft.com/office/drawing/2010/main" xmlns="" w="9525">
                 <a:solidFill>
                   <a:srgbClr val="000000"/>
                 </a:solidFill>
@@ -6990,7 +6990,7 @@
               </a14:hiddenLine>
             </a:ext>
             <a:ext uri="{FAA26D3D-D897-4be2-8F04-BA451C77F1D7}">
-              <ma14:placeholderFlag xmlns="" xmlns:ma14="http://schemas.microsoft.com/office/mac/drawingml/2011/main" val="1"/>
+              <ma14:placeholderFlag xmlns:ma14="http://schemas.microsoft.com/office/mac/drawingml/2011/main" xmlns="" val="1"/>
             </a:ext>
           </a:extLst>
         </p:spPr>
@@ -7025,14 +7025,14 @@
           <a:noFill/>
           <a:extLst>
             <a:ext uri="{909E8E84-426E-40DD-AFC4-6F175D3DCCD1}">
-              <a14:hiddenFill xmlns="" xmlns:a14="http://schemas.microsoft.com/office/drawing/2010/main">
+              <a14:hiddenFill xmlns:a14="http://schemas.microsoft.com/office/drawing/2010/main" xmlns="">
                 <a:solidFill>
                   <a:srgbClr val="FFFFFF"/>
                 </a:solidFill>
               </a14:hiddenFill>
             </a:ext>
             <a:ext uri="{91240B29-F687-4F45-9708-019B960494DF}">
-              <a14:hiddenLine xmlns="" xmlns:a14="http://schemas.microsoft.com/office/drawing/2010/main" w="9525">
+              <a14:hiddenLine xmlns:a14="http://schemas.microsoft.com/office/drawing/2010/main" xmlns="" w="9525">
                 <a:solidFill>
                   <a:srgbClr val="000000"/>
                 </a:solidFill>
@@ -7169,7 +7169,7 @@
     </p:spTree>
     <p:extLst>
       <p:ext uri="{BB962C8B-B14F-4D97-AF65-F5344CB8AC3E}">
-        <p14:creationId xmlns="" xmlns:p14="http://schemas.microsoft.com/office/powerpoint/2010/main" val="1123418692"/>
+        <p14:creationId xmlns:p14="http://schemas.microsoft.com/office/powerpoint/2010/main" xmlns="" val="1123418692"/>
       </p:ext>
     </p:extLst>
   </p:cSld>
@@ -7218,14 +7218,14 @@
           </a:ln>
           <a:extLst>
             <a:ext uri="{909E8E84-426E-40DD-AFC4-6F175D3DCCD1}">
-              <a14:hiddenFill xmlns="" xmlns:a14="http://schemas.microsoft.com/office/drawing/2010/main">
+              <a14:hiddenFill xmlns:a14="http://schemas.microsoft.com/office/drawing/2010/main" xmlns="">
                 <a:solidFill>
                   <a:srgbClr val="FFFFFF"/>
                 </a:solidFill>
               </a14:hiddenFill>
             </a:ext>
             <a:ext uri="{FAA26D3D-D897-4be2-8F04-BA451C77F1D7}">
-              <ma14:placeholderFlag xmlns="" xmlns:ma14="http://schemas.microsoft.com/office/mac/drawingml/2011/main" val="1"/>
+              <ma14:placeholderFlag xmlns:ma14="http://schemas.microsoft.com/office/mac/drawingml/2011/main" xmlns="" val="1"/>
             </a:ext>
           </a:extLst>
         </p:spPr>
@@ -7244,14 +7244,14 @@
           <a:noFill/>
           <a:extLst>
             <a:ext uri="{909E8E84-426E-40DD-AFC4-6F175D3DCCD1}">
-              <a14:hiddenFill xmlns="" xmlns:a14="http://schemas.microsoft.com/office/drawing/2010/main">
+              <a14:hiddenFill xmlns:a14="http://schemas.microsoft.com/office/drawing/2010/main" xmlns="">
                 <a:solidFill>
                   <a:srgbClr val="FFFFFF"/>
                 </a:solidFill>
               </a14:hiddenFill>
             </a:ext>
             <a:ext uri="{91240B29-F687-4F45-9708-019B960494DF}">
-              <a14:hiddenLine xmlns="" xmlns:a14="http://schemas.microsoft.com/office/drawing/2010/main" w="9525">
+              <a14:hiddenLine xmlns:a14="http://schemas.microsoft.com/office/drawing/2010/main" xmlns="" w="9525">
                 <a:solidFill>
                   <a:srgbClr val="000000"/>
                 </a:solidFill>
@@ -7261,7 +7261,7 @@
               </a14:hiddenLine>
             </a:ext>
             <a:ext uri="{FAA26D3D-D897-4be2-8F04-BA451C77F1D7}">
-              <ma14:placeholderFlag xmlns="" xmlns:ma14="http://schemas.microsoft.com/office/mac/drawingml/2011/main" val="1"/>
+              <ma14:placeholderFlag xmlns:ma14="http://schemas.microsoft.com/office/mac/drawingml/2011/main" xmlns="" val="1"/>
             </a:ext>
           </a:extLst>
         </p:spPr>
@@ -7296,14 +7296,14 @@
           <a:noFill/>
           <a:extLst>
             <a:ext uri="{909E8E84-426E-40DD-AFC4-6F175D3DCCD1}">
-              <a14:hiddenFill xmlns="" xmlns:a14="http://schemas.microsoft.com/office/drawing/2010/main">
+              <a14:hiddenFill xmlns:a14="http://schemas.microsoft.com/office/drawing/2010/main" xmlns="">
                 <a:solidFill>
                   <a:srgbClr val="FFFFFF"/>
                 </a:solidFill>
               </a14:hiddenFill>
             </a:ext>
             <a:ext uri="{91240B29-F687-4F45-9708-019B960494DF}">
-              <a14:hiddenLine xmlns="" xmlns:a14="http://schemas.microsoft.com/office/drawing/2010/main" w="9525">
+              <a14:hiddenLine xmlns:a14="http://schemas.microsoft.com/office/drawing/2010/main" xmlns="" w="9525">
                 <a:solidFill>
                   <a:srgbClr val="000000"/>
                 </a:solidFill>
@@ -7440,7 +7440,7 @@
     </p:spTree>
     <p:extLst>
       <p:ext uri="{BB962C8B-B14F-4D97-AF65-F5344CB8AC3E}">
-        <p14:creationId xmlns="" xmlns:p14="http://schemas.microsoft.com/office/powerpoint/2010/main" val="1839350368"/>
+        <p14:creationId xmlns:p14="http://schemas.microsoft.com/office/powerpoint/2010/main" xmlns="" val="1839350368"/>
       </p:ext>
     </p:extLst>
   </p:cSld>
@@ -7489,14 +7489,14 @@
           </a:ln>
           <a:extLst>
             <a:ext uri="{909E8E84-426E-40DD-AFC4-6F175D3DCCD1}">
-              <a14:hiddenFill xmlns="" xmlns:a14="http://schemas.microsoft.com/office/drawing/2010/main">
+              <a14:hiddenFill xmlns:a14="http://schemas.microsoft.com/office/drawing/2010/main" xmlns="">
                 <a:solidFill>
                   <a:srgbClr val="FFFFFF"/>
                 </a:solidFill>
               </a14:hiddenFill>
             </a:ext>
             <a:ext uri="{FAA26D3D-D897-4be2-8F04-BA451C77F1D7}">
-              <ma14:placeholderFlag xmlns="" xmlns:ma14="http://schemas.microsoft.com/office/mac/drawingml/2011/main" val="1"/>
+              <ma14:placeholderFlag xmlns:ma14="http://schemas.microsoft.com/office/mac/drawingml/2011/main" xmlns="" val="1"/>
             </a:ext>
           </a:extLst>
         </p:spPr>
@@ -7515,14 +7515,14 @@
           <a:noFill/>
           <a:extLst>
             <a:ext uri="{909E8E84-426E-40DD-AFC4-6F175D3DCCD1}">
-              <a14:hiddenFill xmlns="" xmlns:a14="http://schemas.microsoft.com/office/drawing/2010/main">
+              <a14:hiddenFill xmlns:a14="http://schemas.microsoft.com/office/drawing/2010/main" xmlns="">
                 <a:solidFill>
                   <a:srgbClr val="FFFFFF"/>
                 </a:solidFill>
               </a14:hiddenFill>
             </a:ext>
             <a:ext uri="{91240B29-F687-4F45-9708-019B960494DF}">
-              <a14:hiddenLine xmlns="" xmlns:a14="http://schemas.microsoft.com/office/drawing/2010/main" w="9525">
+              <a14:hiddenLine xmlns:a14="http://schemas.microsoft.com/office/drawing/2010/main" xmlns="" w="9525">
                 <a:solidFill>
                   <a:srgbClr val="000000"/>
                 </a:solidFill>
@@ -7532,7 +7532,7 @@
               </a14:hiddenLine>
             </a:ext>
             <a:ext uri="{FAA26D3D-D897-4be2-8F04-BA451C77F1D7}">
-              <ma14:placeholderFlag xmlns="" xmlns:ma14="http://schemas.microsoft.com/office/mac/drawingml/2011/main" val="1"/>
+              <ma14:placeholderFlag xmlns:ma14="http://schemas.microsoft.com/office/mac/drawingml/2011/main" xmlns="" val="1"/>
             </a:ext>
           </a:extLst>
         </p:spPr>
@@ -7567,14 +7567,14 @@
           <a:noFill/>
           <a:extLst>
             <a:ext uri="{909E8E84-426E-40DD-AFC4-6F175D3DCCD1}">
-              <a14:hiddenFill xmlns="" xmlns:a14="http://schemas.microsoft.com/office/drawing/2010/main">
+              <a14:hiddenFill xmlns:a14="http://schemas.microsoft.com/office/drawing/2010/main" xmlns="">
                 <a:solidFill>
                   <a:srgbClr val="FFFFFF"/>
                 </a:solidFill>
               </a14:hiddenFill>
             </a:ext>
             <a:ext uri="{91240B29-F687-4F45-9708-019B960494DF}">
-              <a14:hiddenLine xmlns="" xmlns:a14="http://schemas.microsoft.com/office/drawing/2010/main" w="9525">
+              <a14:hiddenLine xmlns:a14="http://schemas.microsoft.com/office/drawing/2010/main" xmlns="" w="9525">
                 <a:solidFill>
                   <a:srgbClr val="000000"/>
                 </a:solidFill>
@@ -7711,7 +7711,7 @@
     </p:spTree>
     <p:extLst>
       <p:ext uri="{BB962C8B-B14F-4D97-AF65-F5344CB8AC3E}">
-        <p14:creationId xmlns="" xmlns:p14="http://schemas.microsoft.com/office/powerpoint/2010/main" val="1622429336"/>
+        <p14:creationId xmlns:p14="http://schemas.microsoft.com/office/powerpoint/2010/main" xmlns="" val="1622429336"/>
       </p:ext>
     </p:extLst>
   </p:cSld>
@@ -7743,7 +7743,7 @@
           <p:cNvPr id="2" name="Titre 1">
             <a:extLst>
               <a:ext uri="{FF2B5EF4-FFF2-40B4-BE49-F238E27FC236}">
-                <a16:creationId xmlns="" xmlns:a16="http://schemas.microsoft.com/office/drawing/2014/main" id="{352B0051-7B18-48C5-A48C-7441E7906768}"/>
+                <a16:creationId xmlns:a16="http://schemas.microsoft.com/office/drawing/2014/main" xmlns="" id="{352B0051-7B18-48C5-A48C-7441E7906768}"/>
               </a:ext>
             </a:extLst>
           </p:cNvPr>
@@ -7783,7 +7783,7 @@
           <p:cNvPr id="3" name="Sous-titre 2">
             <a:extLst>
               <a:ext uri="{FF2B5EF4-FFF2-40B4-BE49-F238E27FC236}">
-                <a16:creationId xmlns="" xmlns:a16="http://schemas.microsoft.com/office/drawing/2014/main" id="{1BB157AE-53B9-4488-86C5-7B380BBD2901}"/>
+                <a16:creationId xmlns:a16="http://schemas.microsoft.com/office/drawing/2014/main" xmlns="" id="{1BB157AE-53B9-4488-86C5-7B380BBD2901}"/>
               </a:ext>
             </a:extLst>
           </p:cNvPr>
@@ -7856,7 +7856,7 @@
           <p:cNvPr id="4" name="Espace réservé de la date 3">
             <a:extLst>
               <a:ext uri="{FF2B5EF4-FFF2-40B4-BE49-F238E27FC236}">
-                <a16:creationId xmlns="" xmlns:a16="http://schemas.microsoft.com/office/drawing/2014/main" id="{33797207-65D1-468B-A149-F428FAD386D2}"/>
+                <a16:creationId xmlns:a16="http://schemas.microsoft.com/office/drawing/2014/main" xmlns="" id="{33797207-65D1-468B-A149-F428FAD386D2}"/>
               </a:ext>
             </a:extLst>
           </p:cNvPr>
@@ -7886,7 +7886,7 @@
           <p:cNvPr id="5" name="Espace réservé du pied de page 4">
             <a:extLst>
               <a:ext uri="{FF2B5EF4-FFF2-40B4-BE49-F238E27FC236}">
-                <a16:creationId xmlns="" xmlns:a16="http://schemas.microsoft.com/office/drawing/2014/main" id="{E9871B62-8447-417A-A17D-25C56E015DE0}"/>
+                <a16:creationId xmlns:a16="http://schemas.microsoft.com/office/drawing/2014/main" xmlns="" id="{E9871B62-8447-417A-A17D-25C56E015DE0}"/>
               </a:ext>
             </a:extLst>
           </p:cNvPr>
@@ -7911,7 +7911,7 @@
           <p:cNvPr id="6" name="Espace réservé du numéro de diapositive 5">
             <a:extLst>
               <a:ext uri="{FF2B5EF4-FFF2-40B4-BE49-F238E27FC236}">
-                <a16:creationId xmlns="" xmlns:a16="http://schemas.microsoft.com/office/drawing/2014/main" id="{BF48C0E3-32FC-495E-B86A-01FEAD8E9B3C}"/>
+                <a16:creationId xmlns:a16="http://schemas.microsoft.com/office/drawing/2014/main" xmlns="" id="{BF48C0E3-32FC-495E-B86A-01FEAD8E9B3C}"/>
               </a:ext>
             </a:extLst>
           </p:cNvPr>
@@ -7939,7 +7939,7 @@
     </p:spTree>
     <p:extLst>
       <p:ext uri="{BB962C8B-B14F-4D97-AF65-F5344CB8AC3E}">
-        <p14:creationId xmlns="" xmlns:p14="http://schemas.microsoft.com/office/powerpoint/2010/main" val="451423619"/>
+        <p14:creationId xmlns:p14="http://schemas.microsoft.com/office/powerpoint/2010/main" xmlns="" val="451423619"/>
       </p:ext>
     </p:extLst>
   </p:cSld>
@@ -7978,7 +7978,7 @@
           <a:blip r:embed="rId2" cstate="print">
             <a:extLst>
               <a:ext uri="{28A0092B-C50C-407E-A947-70E740481C1C}">
-                <a14:useLocalDpi xmlns="" xmlns:a14="http://schemas.microsoft.com/office/drawing/2010/main" val="0"/>
+                <a14:useLocalDpi xmlns:a14="http://schemas.microsoft.com/office/drawing/2010/main" xmlns="" val="0"/>
               </a:ext>
             </a:extLst>
           </a:blip>
@@ -8001,14 +8001,14 @@
           </a:ln>
           <a:extLst>
             <a:ext uri="{909E8E84-426E-40DD-AFC4-6F175D3DCCD1}">
-              <a14:hiddenFill xmlns="" xmlns:a14="http://schemas.microsoft.com/office/drawing/2010/main">
+              <a14:hiddenFill xmlns:a14="http://schemas.microsoft.com/office/drawing/2010/main" xmlns="">
                 <a:solidFill>
                   <a:srgbClr val="FFFFFF"/>
                 </a:solidFill>
               </a14:hiddenFill>
             </a:ext>
             <a:ext uri="{91240B29-F687-4F45-9708-019B960494DF}">
-              <a14:hiddenLine xmlns="" xmlns:a14="http://schemas.microsoft.com/office/drawing/2010/main" w="9525">
+              <a14:hiddenLine xmlns:a14="http://schemas.microsoft.com/office/drawing/2010/main" xmlns="" w="9525">
                 <a:solidFill>
                   <a:srgbClr val="000000"/>
                 </a:solidFill>
@@ -8252,7 +8252,7 @@
     </p:spTree>
     <p:extLst>
       <p:ext uri="{BB962C8B-B14F-4D97-AF65-F5344CB8AC3E}">
-        <p14:creationId xmlns="" xmlns:p14="http://schemas.microsoft.com/office/powerpoint/2010/main" val="4157452813"/>
+        <p14:creationId xmlns:p14="http://schemas.microsoft.com/office/powerpoint/2010/main" xmlns="" val="4157452813"/>
       </p:ext>
     </p:extLst>
   </p:cSld>
@@ -8289,7 +8289,7 @@
           <p:cNvPr id="4" name="Espace réservé de la date 3">
             <a:extLst>
               <a:ext uri="{FF2B5EF4-FFF2-40B4-BE49-F238E27FC236}">
-                <a16:creationId xmlns="" xmlns:a16="http://schemas.microsoft.com/office/drawing/2014/main" id="{12F11F7A-B03F-4996-A0C5-6BC44405C6E1}"/>
+                <a16:creationId xmlns:a16="http://schemas.microsoft.com/office/drawing/2014/main" xmlns="" id="{12F11F7A-B03F-4996-A0C5-6BC44405C6E1}"/>
               </a:ext>
             </a:extLst>
           </p:cNvPr>
@@ -8337,7 +8337,7 @@
           <p:cNvPr id="5" name="Espace réservé du pied de page 4">
             <a:extLst>
               <a:ext uri="{FF2B5EF4-FFF2-40B4-BE49-F238E27FC236}">
-                <a16:creationId xmlns="" xmlns:a16="http://schemas.microsoft.com/office/drawing/2014/main" id="{FE014991-1E2E-4147-994C-079D64FB7867}"/>
+                <a16:creationId xmlns:a16="http://schemas.microsoft.com/office/drawing/2014/main" xmlns="" id="{FE014991-1E2E-4147-994C-079D64FB7867}"/>
               </a:ext>
             </a:extLst>
           </p:cNvPr>
@@ -8380,7 +8380,7 @@
           <p:cNvPr id="6" name="Espace réservé du numéro de diapositive 5">
             <a:extLst>
               <a:ext uri="{FF2B5EF4-FFF2-40B4-BE49-F238E27FC236}">
-                <a16:creationId xmlns="" xmlns:a16="http://schemas.microsoft.com/office/drawing/2014/main" id="{142920B6-4D13-4FB0-95EE-B321DB872894}"/>
+                <a16:creationId xmlns:a16="http://schemas.microsoft.com/office/drawing/2014/main" xmlns="" id="{142920B6-4D13-4FB0-95EE-B321DB872894}"/>
               </a:ext>
             </a:extLst>
           </p:cNvPr>
@@ -8428,7 +8428,7 @@
           <p:cNvPr id="8" name="Image 7">
             <a:extLst>
               <a:ext uri="{FF2B5EF4-FFF2-40B4-BE49-F238E27FC236}">
-                <a16:creationId xmlns="" xmlns:a16="http://schemas.microsoft.com/office/drawing/2014/main" id="{A86D7C90-E476-45DF-BCF5-9BDF4257E8A7}"/>
+                <a16:creationId xmlns:a16="http://schemas.microsoft.com/office/drawing/2014/main" xmlns="" id="{A86D7C90-E476-45DF-BCF5-9BDF4257E8A7}"/>
               </a:ext>
             </a:extLst>
           </p:cNvPr>
@@ -8441,7 +8441,7 @@
           <a:blip r:embed="rId4" cstate="print">
             <a:extLst>
               <a:ext uri="{28A0092B-C50C-407E-A947-70E740481C1C}">
-                <a14:useLocalDpi xmlns="" xmlns:a14="http://schemas.microsoft.com/office/drawing/2010/main" val="0"/>
+                <a14:useLocalDpi xmlns:a14="http://schemas.microsoft.com/office/drawing/2010/main" xmlns="" val="0"/>
               </a:ext>
             </a:extLst>
           </a:blip>
@@ -8462,7 +8462,7 @@
     </p:spTree>
     <p:extLst>
       <p:ext uri="{BB962C8B-B14F-4D97-AF65-F5344CB8AC3E}">
-        <p14:creationId xmlns="" xmlns:p14="http://schemas.microsoft.com/office/powerpoint/2010/main" val="1513565430"/>
+        <p14:creationId xmlns:p14="http://schemas.microsoft.com/office/powerpoint/2010/main" xmlns="" val="1513565430"/>
       </p:ext>
     </p:extLst>
   </p:cSld>
@@ -8823,7 +8823,7 @@
           <p:cNvPr id="10" name="Groupe 9">
             <a:extLst>
               <a:ext uri="{FF2B5EF4-FFF2-40B4-BE49-F238E27FC236}">
-                <a16:creationId xmlns="" xmlns:a16="http://schemas.microsoft.com/office/drawing/2014/main" id="{5EC91C76-196A-4506-BF09-2CD6A886CFB0}"/>
+                <a16:creationId xmlns:a16="http://schemas.microsoft.com/office/drawing/2014/main" xmlns="" id="{5EC91C76-196A-4506-BF09-2CD6A886CFB0}"/>
               </a:ext>
             </a:extLst>
           </p:cNvPr>
@@ -8905,7 +8905,7 @@
             <a:blip r:embed="rId2" cstate="print">
               <a:extLst>
                 <a:ext uri="{BEBA8EAE-BF5A-486C-A8C5-ECC9F3942E4B}">
-                  <a14:imgProps xmlns="" xmlns:a14="http://schemas.microsoft.com/office/drawing/2010/main">
+                  <a14:imgProps xmlns:a14="http://schemas.microsoft.com/office/drawing/2010/main" xmlns="">
                     <a14:imgLayer r:embed="rId3">
                       <a14:imgEffect>
                         <a14:colorTemperature colorTemp="7816"/>
@@ -9300,14 +9300,14 @@
           <a:noFill/>
           <a:extLst>
             <a:ext uri="{909E8E84-426E-40DD-AFC4-6F175D3DCCD1}">
-              <a14:hiddenFill xmlns="" xmlns:a14="http://schemas.microsoft.com/office/drawing/2010/main">
+              <a14:hiddenFill xmlns:a14="http://schemas.microsoft.com/office/drawing/2010/main" xmlns="">
                 <a:solidFill>
                   <a:srgbClr val="FFFFFF"/>
                 </a:solidFill>
               </a14:hiddenFill>
             </a:ext>
             <a:ext uri="{91240B29-F687-4F45-9708-019B960494DF}">
-              <a14:hiddenLine xmlns="" xmlns:a14="http://schemas.microsoft.com/office/drawing/2010/main" w="9525">
+              <a14:hiddenLine xmlns:a14="http://schemas.microsoft.com/office/drawing/2010/main" xmlns="" w="9525">
                 <a:solidFill>
                   <a:srgbClr val="000000"/>
                 </a:solidFill>
@@ -9497,7 +9497,7 @@
           <p:cNvPr id="5" name="ZoneTexte 4">
             <a:extLst>
               <a:ext uri="{FF2B5EF4-FFF2-40B4-BE49-F238E27FC236}">
-                <a16:creationId xmlns="" xmlns:a16="http://schemas.microsoft.com/office/drawing/2014/main" id="{0AD616CE-A12C-4C71-960F-8C0E8DEDD16F}"/>
+                <a16:creationId xmlns:a16="http://schemas.microsoft.com/office/drawing/2014/main" xmlns="" id="{0AD616CE-A12C-4C71-960F-8C0E8DEDD16F}"/>
               </a:ext>
             </a:extLst>
           </p:cNvPr>
@@ -9722,7 +9722,7 @@
           <p:cNvPr id="8" name="Connecteur droit 7">
             <a:extLst>
               <a:ext uri="{FF2B5EF4-FFF2-40B4-BE49-F238E27FC236}">
-                <a16:creationId xmlns="" xmlns:a16="http://schemas.microsoft.com/office/drawing/2014/main" id="{1C8A99E9-BFA4-49CD-85EF-691B885BEA4F}"/>
+                <a16:creationId xmlns:a16="http://schemas.microsoft.com/office/drawing/2014/main" xmlns="" id="{1C8A99E9-BFA4-49CD-85EF-691B885BEA4F}"/>
               </a:ext>
             </a:extLst>
           </p:cNvPr>
@@ -9760,7 +9760,7 @@
           <p:cNvPr id="6" name="Titre 5">
             <a:extLst>
               <a:ext uri="{FF2B5EF4-FFF2-40B4-BE49-F238E27FC236}">
-                <a16:creationId xmlns="" xmlns:a16="http://schemas.microsoft.com/office/drawing/2014/main" id="{E825C8C8-B0B4-45B5-9442-AFD19534E767}"/>
+                <a16:creationId xmlns:a16="http://schemas.microsoft.com/office/drawing/2014/main" xmlns="" id="{E825C8C8-B0B4-45B5-9442-AFD19534E767}"/>
               </a:ext>
             </a:extLst>
           </p:cNvPr>
@@ -9786,7 +9786,7 @@
     </p:spTree>
     <p:extLst>
       <p:ext uri="{BB962C8B-B14F-4D97-AF65-F5344CB8AC3E}">
-        <p14:creationId xmlns="" xmlns:p14="http://schemas.microsoft.com/office/powerpoint/2010/main" val="2112594139"/>
+        <p14:creationId xmlns:p14="http://schemas.microsoft.com/office/powerpoint/2010/main" xmlns="" val="2112594139"/>
       </p:ext>
     </p:extLst>
   </p:cSld>
@@ -9885,14 +9885,14 @@
           <a:noFill/>
           <a:extLst>
             <a:ext uri="{909E8E84-426E-40DD-AFC4-6F175D3DCCD1}">
-              <a14:hiddenFill xmlns="" xmlns:a14="http://schemas.microsoft.com/office/drawing/2010/main">
+              <a14:hiddenFill xmlns:a14="http://schemas.microsoft.com/office/drawing/2010/main" xmlns="">
                 <a:solidFill>
                   <a:srgbClr val="FFFFFF"/>
                 </a:solidFill>
               </a14:hiddenFill>
             </a:ext>
             <a:ext uri="{91240B29-F687-4F45-9708-019B960494DF}">
-              <a14:hiddenLine xmlns="" xmlns:a14="http://schemas.microsoft.com/office/drawing/2010/main" w="9525">
+              <a14:hiddenLine xmlns:a14="http://schemas.microsoft.com/office/drawing/2010/main" xmlns="" w="9525">
                 <a:solidFill>
                   <a:srgbClr val="000000"/>
                 </a:solidFill>
@@ -10082,7 +10082,7 @@
           <p:cNvPr id="3" name="Titre 2">
             <a:extLst>
               <a:ext uri="{FF2B5EF4-FFF2-40B4-BE49-F238E27FC236}">
-                <a16:creationId xmlns="" xmlns:a16="http://schemas.microsoft.com/office/drawing/2014/main" id="{C1ED60ED-3697-4B85-BFD4-0860C137D941}"/>
+                <a16:creationId xmlns:a16="http://schemas.microsoft.com/office/drawing/2014/main" xmlns="" id="{C1ED60ED-3697-4B85-BFD4-0860C137D941}"/>
               </a:ext>
             </a:extLst>
           </p:cNvPr>
@@ -10110,7 +10110,7 @@
           <p:cNvPr id="8" name="Graphique 7" descr="Base de données">
             <a:extLst>
               <a:ext uri="{FF2B5EF4-FFF2-40B4-BE49-F238E27FC236}">
-                <a16:creationId xmlns="" xmlns:a16="http://schemas.microsoft.com/office/drawing/2014/main" id="{D0F8F324-8395-4919-BDDD-B69D81B110B3}"/>
+                <a16:creationId xmlns:a16="http://schemas.microsoft.com/office/drawing/2014/main" xmlns="" id="{D0F8F324-8395-4919-BDDD-B69D81B110B3}"/>
               </a:ext>
             </a:extLst>
           </p:cNvPr>
@@ -10123,10 +10123,10 @@
           <a:blip r:embed="rId4" cstate="print">
             <a:extLst>
               <a:ext uri="{28A0092B-C50C-407E-A947-70E740481C1C}">
-                <a14:useLocalDpi xmlns="" xmlns:a14="http://schemas.microsoft.com/office/drawing/2010/main" val="0"/>
+                <a14:useLocalDpi xmlns:a14="http://schemas.microsoft.com/office/drawing/2010/main" xmlns="" val="0"/>
               </a:ext>
               <a:ext uri="{96DAC541-7B7A-43D3-8B79-37D633B846F1}">
-                <asvg:svgBlip xmlns="" xmlns:asvg="http://schemas.microsoft.com/office/drawing/2016/SVG/main" r:embed="rId5"/>
+                <asvg:svgBlip xmlns:asvg="http://schemas.microsoft.com/office/drawing/2016/SVG/main" xmlns="" r:embed="rId5"/>
               </a:ext>
             </a:extLst>
           </a:blip>
@@ -10149,7 +10149,7 @@
           <p:cNvPr id="9" name="Image 8">
             <a:extLst>
               <a:ext uri="{FF2B5EF4-FFF2-40B4-BE49-F238E27FC236}">
-                <a16:creationId xmlns="" xmlns:a16="http://schemas.microsoft.com/office/drawing/2014/main" id="{E38C7850-3B35-4032-91D5-6081060B54DE}"/>
+                <a16:creationId xmlns:a16="http://schemas.microsoft.com/office/drawing/2014/main" xmlns="" id="{E38C7850-3B35-4032-91D5-6081060B54DE}"/>
               </a:ext>
             </a:extLst>
           </p:cNvPr>
@@ -10162,7 +10162,7 @@
           <a:blip r:embed="rId6" cstate="print">
             <a:extLst>
               <a:ext uri="{28A0092B-C50C-407E-A947-70E740481C1C}">
-                <a14:useLocalDpi xmlns="" xmlns:a14="http://schemas.microsoft.com/office/drawing/2010/main" val="0"/>
+                <a14:useLocalDpi xmlns:a14="http://schemas.microsoft.com/office/drawing/2010/main" xmlns="" val="0"/>
               </a:ext>
             </a:extLst>
           </a:blip>
@@ -10185,7 +10185,7 @@
           <p:cNvPr id="11" name="Image 10">
             <a:extLst>
               <a:ext uri="{FF2B5EF4-FFF2-40B4-BE49-F238E27FC236}">
-                <a16:creationId xmlns="" xmlns:a16="http://schemas.microsoft.com/office/drawing/2014/main" id="{7E347D2D-9753-4A59-931A-4AE64CAD68C5}"/>
+                <a16:creationId xmlns:a16="http://schemas.microsoft.com/office/drawing/2014/main" xmlns="" id="{7E347D2D-9753-4A59-931A-4AE64CAD68C5}"/>
               </a:ext>
             </a:extLst>
           </p:cNvPr>
@@ -10198,7 +10198,7 @@
           <a:blip r:embed="rId7" cstate="print">
             <a:extLst>
               <a:ext uri="{28A0092B-C50C-407E-A947-70E740481C1C}">
-                <a14:useLocalDpi xmlns="" xmlns:a14="http://schemas.microsoft.com/office/drawing/2010/main" val="0"/>
+                <a14:useLocalDpi xmlns:a14="http://schemas.microsoft.com/office/drawing/2010/main" xmlns="" val="0"/>
               </a:ext>
             </a:extLst>
           </a:blip>
@@ -10235,7 +10235,7 @@
             <p:cNvPr id="6" name="Graphique 5" descr="Base de données">
               <a:extLst>
                 <a:ext uri="{FF2B5EF4-FFF2-40B4-BE49-F238E27FC236}">
-                  <a16:creationId xmlns="" xmlns:a16="http://schemas.microsoft.com/office/drawing/2014/main" id="{DEF7E7D3-2463-4553-8CB6-150FF3DD5C8A}"/>
+                  <a16:creationId xmlns:a16="http://schemas.microsoft.com/office/drawing/2014/main" xmlns="" id="{DEF7E7D3-2463-4553-8CB6-150FF3DD5C8A}"/>
                 </a:ext>
               </a:extLst>
             </p:cNvPr>
@@ -10248,10 +10248,10 @@
             <a:blip r:embed="rId4" cstate="print">
               <a:extLst>
                 <a:ext uri="{28A0092B-C50C-407E-A947-70E740481C1C}">
-                  <a14:useLocalDpi xmlns="" xmlns:a14="http://schemas.microsoft.com/office/drawing/2010/main" val="0"/>
+                  <a14:useLocalDpi xmlns:a14="http://schemas.microsoft.com/office/drawing/2010/main" xmlns="" val="0"/>
                 </a:ext>
                 <a:ext uri="{96DAC541-7B7A-43D3-8B79-37D633B846F1}">
-                  <asvg:svgBlip xmlns="" xmlns:asvg="http://schemas.microsoft.com/office/drawing/2016/SVG/main" r:embed="rId5"/>
+                  <asvg:svgBlip xmlns:asvg="http://schemas.microsoft.com/office/drawing/2016/SVG/main" xmlns="" r:embed="rId5"/>
                 </a:ext>
               </a:extLst>
             </a:blip>
@@ -10274,7 +10274,7 @@
             <p:cNvPr id="13" name="Image 12">
               <a:extLst>
                 <a:ext uri="{FF2B5EF4-FFF2-40B4-BE49-F238E27FC236}">
-                  <a16:creationId xmlns="" xmlns:a16="http://schemas.microsoft.com/office/drawing/2014/main" id="{D0116F5E-8B63-4C6C-A96B-A102D201BE54}"/>
+                  <a16:creationId xmlns:a16="http://schemas.microsoft.com/office/drawing/2014/main" xmlns="" id="{D0116F5E-8B63-4C6C-A96B-A102D201BE54}"/>
                 </a:ext>
               </a:extLst>
             </p:cNvPr>
@@ -10287,7 +10287,7 @@
             <a:blip r:embed="rId8" cstate="print">
               <a:extLst>
                 <a:ext uri="{28A0092B-C50C-407E-A947-70E740481C1C}">
-                  <a14:useLocalDpi xmlns="" xmlns:a14="http://schemas.microsoft.com/office/drawing/2010/main" val="0"/>
+                  <a14:useLocalDpi xmlns:a14="http://schemas.microsoft.com/office/drawing/2010/main" xmlns="" val="0"/>
                 </a:ext>
               </a:extLst>
             </a:blip>
@@ -10325,7 +10325,7 @@
             <p:cNvPr id="17" name="Graphique 16" descr="Document">
               <a:extLst>
                 <a:ext uri="{FF2B5EF4-FFF2-40B4-BE49-F238E27FC236}">
-                  <a16:creationId xmlns="" xmlns:a16="http://schemas.microsoft.com/office/drawing/2014/main" id="{273EBBB4-EBAE-4051-B35A-5B10C4F242E8}"/>
+                  <a16:creationId xmlns:a16="http://schemas.microsoft.com/office/drawing/2014/main" xmlns="" id="{273EBBB4-EBAE-4051-B35A-5B10C4F242E8}"/>
                 </a:ext>
               </a:extLst>
             </p:cNvPr>
@@ -10338,10 +10338,10 @@
             <a:blip r:embed="rId9" cstate="print">
               <a:extLst>
                 <a:ext uri="{28A0092B-C50C-407E-A947-70E740481C1C}">
-                  <a14:useLocalDpi xmlns="" xmlns:a14="http://schemas.microsoft.com/office/drawing/2010/main" val="0"/>
+                  <a14:useLocalDpi xmlns:a14="http://schemas.microsoft.com/office/drawing/2010/main" xmlns="" val="0"/>
                 </a:ext>
                 <a:ext uri="{96DAC541-7B7A-43D3-8B79-37D633B846F1}">
-                  <asvg:svgBlip xmlns="" xmlns:asvg="http://schemas.microsoft.com/office/drawing/2016/SVG/main" r:embed="rId10"/>
+                  <asvg:svgBlip xmlns:asvg="http://schemas.microsoft.com/office/drawing/2016/SVG/main" xmlns="" r:embed="rId10"/>
                 </a:ext>
               </a:extLst>
             </a:blip>
@@ -10364,7 +10364,7 @@
             <p:cNvPr id="19" name="Graphique 18" descr="Document">
               <a:extLst>
                 <a:ext uri="{FF2B5EF4-FFF2-40B4-BE49-F238E27FC236}">
-                  <a16:creationId xmlns="" xmlns:a16="http://schemas.microsoft.com/office/drawing/2014/main" id="{C757E45F-4034-4D21-8840-497E5AE1991C}"/>
+                  <a16:creationId xmlns:a16="http://schemas.microsoft.com/office/drawing/2014/main" xmlns="" id="{C757E45F-4034-4D21-8840-497E5AE1991C}"/>
                 </a:ext>
               </a:extLst>
             </p:cNvPr>
@@ -10377,10 +10377,10 @@
             <a:blip r:embed="rId9" cstate="print">
               <a:extLst>
                 <a:ext uri="{28A0092B-C50C-407E-A947-70E740481C1C}">
-                  <a14:useLocalDpi xmlns="" xmlns:a14="http://schemas.microsoft.com/office/drawing/2010/main" val="0"/>
+                  <a14:useLocalDpi xmlns:a14="http://schemas.microsoft.com/office/drawing/2010/main" xmlns="" val="0"/>
                 </a:ext>
                 <a:ext uri="{96DAC541-7B7A-43D3-8B79-37D633B846F1}">
-                  <asvg:svgBlip xmlns="" xmlns:asvg="http://schemas.microsoft.com/office/drawing/2016/SVG/main" r:embed="rId10"/>
+                  <asvg:svgBlip xmlns:asvg="http://schemas.microsoft.com/office/drawing/2016/SVG/main" xmlns="" r:embed="rId10"/>
                 </a:ext>
               </a:extLst>
             </a:blip>
@@ -10403,7 +10403,7 @@
             <p:cNvPr id="20" name="Graphique 19" descr="Document">
               <a:extLst>
                 <a:ext uri="{FF2B5EF4-FFF2-40B4-BE49-F238E27FC236}">
-                  <a16:creationId xmlns="" xmlns:a16="http://schemas.microsoft.com/office/drawing/2014/main" id="{4F09C192-94E6-406A-AD7E-40FF7FAEB99A}"/>
+                  <a16:creationId xmlns:a16="http://schemas.microsoft.com/office/drawing/2014/main" xmlns="" id="{4F09C192-94E6-406A-AD7E-40FF7FAEB99A}"/>
                 </a:ext>
               </a:extLst>
             </p:cNvPr>
@@ -10416,10 +10416,10 @@
             <a:blip r:embed="rId9" cstate="print">
               <a:extLst>
                 <a:ext uri="{28A0092B-C50C-407E-A947-70E740481C1C}">
-                  <a14:useLocalDpi xmlns="" xmlns:a14="http://schemas.microsoft.com/office/drawing/2010/main" val="0"/>
+                  <a14:useLocalDpi xmlns:a14="http://schemas.microsoft.com/office/drawing/2010/main" xmlns="" val="0"/>
                 </a:ext>
                 <a:ext uri="{96DAC541-7B7A-43D3-8B79-37D633B846F1}">
-                  <asvg:svgBlip xmlns="" xmlns:asvg="http://schemas.microsoft.com/office/drawing/2016/SVG/main" r:embed="rId10"/>
+                  <asvg:svgBlip xmlns:asvg="http://schemas.microsoft.com/office/drawing/2016/SVG/main" xmlns="" r:embed="rId10"/>
                 </a:ext>
               </a:extLst>
             </a:blip>
@@ -10443,7 +10443,7 @@
           <p:cNvPr id="7" name="Image 6">
             <a:extLst>
               <a:ext uri="{FF2B5EF4-FFF2-40B4-BE49-F238E27FC236}">
-                <a16:creationId xmlns="" xmlns:a16="http://schemas.microsoft.com/office/drawing/2014/main" id="{3FA18E4F-7B4C-4F82-91FD-7F3DA27D37DF}"/>
+                <a16:creationId xmlns:a16="http://schemas.microsoft.com/office/drawing/2014/main" xmlns="" id="{3FA18E4F-7B4C-4F82-91FD-7F3DA27D37DF}"/>
               </a:ext>
             </a:extLst>
           </p:cNvPr>
@@ -10456,7 +10456,7 @@
           <a:blip r:embed="rId11" cstate="print">
             <a:extLst>
               <a:ext uri="{28A0092B-C50C-407E-A947-70E740481C1C}">
-                <a14:useLocalDpi xmlns="" xmlns:a14="http://schemas.microsoft.com/office/drawing/2010/main" val="0"/>
+                <a14:useLocalDpi xmlns:a14="http://schemas.microsoft.com/office/drawing/2010/main" xmlns="" val="0"/>
               </a:ext>
             </a:extLst>
           </a:blip>
@@ -10809,7 +10809,7 @@
     </p:spTree>
     <p:extLst>
       <p:ext uri="{BB962C8B-B14F-4D97-AF65-F5344CB8AC3E}">
-        <p14:creationId xmlns="" xmlns:p14="http://schemas.microsoft.com/office/powerpoint/2010/main" val="633633542"/>
+        <p14:creationId xmlns:p14="http://schemas.microsoft.com/office/powerpoint/2010/main" xmlns="" val="633633542"/>
       </p:ext>
     </p:extLst>
   </p:cSld>
@@ -10882,14 +10882,14 @@
           <a:noFill/>
           <a:extLst>
             <a:ext uri="{909E8E84-426E-40DD-AFC4-6F175D3DCCD1}">
-              <a14:hiddenFill xmlns="" xmlns:a14="http://schemas.microsoft.com/office/drawing/2010/main">
+              <a14:hiddenFill xmlns:a14="http://schemas.microsoft.com/office/drawing/2010/main" xmlns="">
                 <a:solidFill>
                   <a:srgbClr val="FFFFFF"/>
                 </a:solidFill>
               </a14:hiddenFill>
             </a:ext>
             <a:ext uri="{91240B29-F687-4F45-9708-019B960494DF}">
-              <a14:hiddenLine xmlns="" xmlns:a14="http://schemas.microsoft.com/office/drawing/2010/main" w="9525">
+              <a14:hiddenLine xmlns:a14="http://schemas.microsoft.com/office/drawing/2010/main" xmlns="" w="9525">
                 <a:solidFill>
                   <a:srgbClr val="000000"/>
                 </a:solidFill>
@@ -11079,7 +11079,7 @@
           <p:cNvPr id="5" name="ZoneTexte 4">
             <a:extLst>
               <a:ext uri="{FF2B5EF4-FFF2-40B4-BE49-F238E27FC236}">
-                <a16:creationId xmlns="" xmlns:a16="http://schemas.microsoft.com/office/drawing/2014/main" id="{0AD616CE-A12C-4C71-960F-8C0E8DEDD16F}"/>
+                <a16:creationId xmlns:a16="http://schemas.microsoft.com/office/drawing/2014/main" xmlns="" id="{0AD616CE-A12C-4C71-960F-8C0E8DEDD16F}"/>
               </a:ext>
             </a:extLst>
           </p:cNvPr>
@@ -11304,7 +11304,7 @@
           <p:cNvPr id="8" name="Connecteur droit 7">
             <a:extLst>
               <a:ext uri="{FF2B5EF4-FFF2-40B4-BE49-F238E27FC236}">
-                <a16:creationId xmlns="" xmlns:a16="http://schemas.microsoft.com/office/drawing/2014/main" id="{1C8A99E9-BFA4-49CD-85EF-691B885BEA4F}"/>
+                <a16:creationId xmlns:a16="http://schemas.microsoft.com/office/drawing/2014/main" xmlns="" id="{1C8A99E9-BFA4-49CD-85EF-691B885BEA4F}"/>
               </a:ext>
             </a:extLst>
           </p:cNvPr>
@@ -11342,7 +11342,7 @@
           <p:cNvPr id="6" name="Titre 5">
             <a:extLst>
               <a:ext uri="{FF2B5EF4-FFF2-40B4-BE49-F238E27FC236}">
-                <a16:creationId xmlns="" xmlns:a16="http://schemas.microsoft.com/office/drawing/2014/main" id="{E825C8C8-B0B4-45B5-9442-AFD19534E767}"/>
+                <a16:creationId xmlns:a16="http://schemas.microsoft.com/office/drawing/2014/main" xmlns="" id="{E825C8C8-B0B4-45B5-9442-AFD19534E767}"/>
               </a:ext>
             </a:extLst>
           </p:cNvPr>
@@ -11368,7 +11368,7 @@
     </p:spTree>
     <p:extLst>
       <p:ext uri="{BB962C8B-B14F-4D97-AF65-F5344CB8AC3E}">
-        <p14:creationId xmlns="" xmlns:p14="http://schemas.microsoft.com/office/powerpoint/2010/main" val="2112594139"/>
+        <p14:creationId xmlns:p14="http://schemas.microsoft.com/office/powerpoint/2010/main" xmlns="" val="2112594139"/>
       </p:ext>
     </p:extLst>
   </p:cSld>
@@ -11445,14 +11445,14 @@
           <a:noFill/>
           <a:extLst>
             <a:ext uri="{909E8E84-426E-40DD-AFC4-6F175D3DCCD1}">
-              <a14:hiddenFill xmlns="" xmlns:a14="http://schemas.microsoft.com/office/drawing/2010/main">
+              <a14:hiddenFill xmlns:a14="http://schemas.microsoft.com/office/drawing/2010/main" xmlns="">
                 <a:solidFill>
                   <a:srgbClr val="FFFFFF"/>
                 </a:solidFill>
               </a14:hiddenFill>
             </a:ext>
             <a:ext uri="{91240B29-F687-4F45-9708-019B960494DF}">
-              <a14:hiddenLine xmlns="" xmlns:a14="http://schemas.microsoft.com/office/drawing/2010/main" w="9525">
+              <a14:hiddenLine xmlns:a14="http://schemas.microsoft.com/office/drawing/2010/main" xmlns="" w="9525">
                 <a:solidFill>
                   <a:srgbClr val="000000"/>
                 </a:solidFill>
@@ -11642,7 +11642,7 @@
           <p:cNvPr id="3" name="Titre 2">
             <a:extLst>
               <a:ext uri="{FF2B5EF4-FFF2-40B4-BE49-F238E27FC236}">
-                <a16:creationId xmlns="" xmlns:a16="http://schemas.microsoft.com/office/drawing/2014/main" id="{C1ED60ED-3697-4B85-BFD4-0860C137D941}"/>
+                <a16:creationId xmlns:a16="http://schemas.microsoft.com/office/drawing/2014/main" xmlns="" id="{C1ED60ED-3697-4B85-BFD4-0860C137D941}"/>
               </a:ext>
             </a:extLst>
           </p:cNvPr>
@@ -11743,7 +11743,7 @@
           <p:cNvPr id="8" name="Image 7">
             <a:extLst>
               <a:ext uri="{FF2B5EF4-FFF2-40B4-BE49-F238E27FC236}">
-                <a16:creationId xmlns="" xmlns:a16="http://schemas.microsoft.com/office/drawing/2014/main" id="{E38C7850-3B35-4032-91D5-6081060B54DE}"/>
+                <a16:creationId xmlns:a16="http://schemas.microsoft.com/office/drawing/2014/main" xmlns="" id="{E38C7850-3B35-4032-91D5-6081060B54DE}"/>
               </a:ext>
             </a:extLst>
           </p:cNvPr>
@@ -11756,7 +11756,7 @@
           <a:blip r:embed="rId3" cstate="print">
             <a:extLst>
               <a:ext uri="{28A0092B-C50C-407E-A947-70E740481C1C}">
-                <a14:useLocalDpi xmlns="" xmlns:a14="http://schemas.microsoft.com/office/drawing/2010/main" val="0"/>
+                <a14:useLocalDpi xmlns:a14="http://schemas.microsoft.com/office/drawing/2010/main" xmlns="" val="0"/>
               </a:ext>
             </a:extLst>
           </a:blip>
@@ -11793,7 +11793,7 @@
             <p:cNvPr id="10" name="Graphique 16" descr="Document">
               <a:extLst>
                 <a:ext uri="{FF2B5EF4-FFF2-40B4-BE49-F238E27FC236}">
-                  <a16:creationId xmlns="" xmlns:a16="http://schemas.microsoft.com/office/drawing/2014/main" id="{273EBBB4-EBAE-4051-B35A-5B10C4F242E8}"/>
+                  <a16:creationId xmlns:a16="http://schemas.microsoft.com/office/drawing/2014/main" xmlns="" id="{273EBBB4-EBAE-4051-B35A-5B10C4F242E8}"/>
                 </a:ext>
               </a:extLst>
             </p:cNvPr>
@@ -11806,10 +11806,10 @@
             <a:blip r:embed="rId4" cstate="print">
               <a:extLst>
                 <a:ext uri="{28A0092B-C50C-407E-A947-70E740481C1C}">
-                  <a14:useLocalDpi xmlns="" xmlns:a14="http://schemas.microsoft.com/office/drawing/2010/main" val="0"/>
+                  <a14:useLocalDpi xmlns:a14="http://schemas.microsoft.com/office/drawing/2010/main" xmlns="" val="0"/>
                 </a:ext>
                 <a:ext uri="{96DAC541-7B7A-43D3-8B79-37D633B846F1}">
-                  <asvg:svgBlip xmlns="" xmlns:asvg="http://schemas.microsoft.com/office/drawing/2016/SVG/main" r:embed="rId10"/>
+                  <asvg:svgBlip xmlns:asvg="http://schemas.microsoft.com/office/drawing/2016/SVG/main" xmlns="" r:embed="rId10"/>
                 </a:ext>
               </a:extLst>
             </a:blip>
@@ -11832,7 +11832,7 @@
             <p:cNvPr id="11" name="Graphique 18" descr="Document">
               <a:extLst>
                 <a:ext uri="{FF2B5EF4-FFF2-40B4-BE49-F238E27FC236}">
-                  <a16:creationId xmlns="" xmlns:a16="http://schemas.microsoft.com/office/drawing/2014/main" id="{C757E45F-4034-4D21-8840-497E5AE1991C}"/>
+                  <a16:creationId xmlns:a16="http://schemas.microsoft.com/office/drawing/2014/main" xmlns="" id="{C757E45F-4034-4D21-8840-497E5AE1991C}"/>
                 </a:ext>
               </a:extLst>
             </p:cNvPr>
@@ -11845,10 +11845,10 @@
             <a:blip r:embed="rId4" cstate="print">
               <a:extLst>
                 <a:ext uri="{28A0092B-C50C-407E-A947-70E740481C1C}">
-                  <a14:useLocalDpi xmlns="" xmlns:a14="http://schemas.microsoft.com/office/drawing/2010/main" val="0"/>
+                  <a14:useLocalDpi xmlns:a14="http://schemas.microsoft.com/office/drawing/2010/main" xmlns="" val="0"/>
                 </a:ext>
                 <a:ext uri="{96DAC541-7B7A-43D3-8B79-37D633B846F1}">
-                  <asvg:svgBlip xmlns="" xmlns:asvg="http://schemas.microsoft.com/office/drawing/2016/SVG/main" r:embed="rId10"/>
+                  <asvg:svgBlip xmlns:asvg="http://schemas.microsoft.com/office/drawing/2016/SVG/main" xmlns="" r:embed="rId10"/>
                 </a:ext>
               </a:extLst>
             </a:blip>
@@ -11871,7 +11871,7 @@
             <p:cNvPr id="12" name="Graphique 19" descr="Document">
               <a:extLst>
                 <a:ext uri="{FF2B5EF4-FFF2-40B4-BE49-F238E27FC236}">
-                  <a16:creationId xmlns="" xmlns:a16="http://schemas.microsoft.com/office/drawing/2014/main" id="{4F09C192-94E6-406A-AD7E-40FF7FAEB99A}"/>
+                  <a16:creationId xmlns:a16="http://schemas.microsoft.com/office/drawing/2014/main" xmlns="" id="{4F09C192-94E6-406A-AD7E-40FF7FAEB99A}"/>
                 </a:ext>
               </a:extLst>
             </p:cNvPr>
@@ -11884,10 +11884,10 @@
             <a:blip r:embed="rId4" cstate="print">
               <a:extLst>
                 <a:ext uri="{28A0092B-C50C-407E-A947-70E740481C1C}">
-                  <a14:useLocalDpi xmlns="" xmlns:a14="http://schemas.microsoft.com/office/drawing/2010/main" val="0"/>
+                  <a14:useLocalDpi xmlns:a14="http://schemas.microsoft.com/office/drawing/2010/main" xmlns="" val="0"/>
                 </a:ext>
                 <a:ext uri="{96DAC541-7B7A-43D3-8B79-37D633B846F1}">
-                  <asvg:svgBlip xmlns="" xmlns:asvg="http://schemas.microsoft.com/office/drawing/2016/SVG/main" r:embed="rId10"/>
+                  <asvg:svgBlip xmlns:asvg="http://schemas.microsoft.com/office/drawing/2016/SVG/main" xmlns="" r:embed="rId10"/>
                 </a:ext>
               </a:extLst>
             </a:blip>
@@ -11911,7 +11911,7 @@
           <p:cNvPr id="13" name="Graphique 7" descr="Base de données">
             <a:extLst>
               <a:ext uri="{FF2B5EF4-FFF2-40B4-BE49-F238E27FC236}">
-                <a16:creationId xmlns="" xmlns:a16="http://schemas.microsoft.com/office/drawing/2014/main" id="{D0F8F324-8395-4919-BDDD-B69D81B110B3}"/>
+                <a16:creationId xmlns:a16="http://schemas.microsoft.com/office/drawing/2014/main" xmlns="" id="{D0F8F324-8395-4919-BDDD-B69D81B110B3}"/>
               </a:ext>
             </a:extLst>
           </p:cNvPr>
@@ -11924,10 +11924,10 @@
           <a:blip r:embed="rId11" cstate="print">
             <a:extLst>
               <a:ext uri="{28A0092B-C50C-407E-A947-70E740481C1C}">
-                <a14:useLocalDpi xmlns="" xmlns:a14="http://schemas.microsoft.com/office/drawing/2010/main" val="0"/>
+                <a14:useLocalDpi xmlns:a14="http://schemas.microsoft.com/office/drawing/2010/main" xmlns="" val="0"/>
               </a:ext>
               <a:ext uri="{96DAC541-7B7A-43D3-8B79-37D633B846F1}">
-                <asvg:svgBlip xmlns="" xmlns:asvg="http://schemas.microsoft.com/office/drawing/2016/SVG/main" r:embed="rId5"/>
+                <asvg:svgBlip xmlns:asvg="http://schemas.microsoft.com/office/drawing/2016/SVG/main" xmlns="" r:embed="rId5"/>
               </a:ext>
             </a:extLst>
           </a:blip>
@@ -12061,7 +12061,7 @@
           <p:cNvPr id="21" name="Image 20">
             <a:extLst>
               <a:ext uri="{FF2B5EF4-FFF2-40B4-BE49-F238E27FC236}">
-                <a16:creationId xmlns="" xmlns:a16="http://schemas.microsoft.com/office/drawing/2014/main" id="{3FA18E4F-7B4C-4F82-91FD-7F3DA27D37DF}"/>
+                <a16:creationId xmlns:a16="http://schemas.microsoft.com/office/drawing/2014/main" xmlns="" id="{3FA18E4F-7B4C-4F82-91FD-7F3DA27D37DF}"/>
               </a:ext>
             </a:extLst>
           </p:cNvPr>
@@ -12074,7 +12074,7 @@
           <a:blip r:embed="rId12" cstate="print">
             <a:extLst>
               <a:ext uri="{28A0092B-C50C-407E-A947-70E740481C1C}">
-                <a14:useLocalDpi xmlns="" xmlns:a14="http://schemas.microsoft.com/office/drawing/2010/main" val="0"/>
+                <a14:useLocalDpi xmlns:a14="http://schemas.microsoft.com/office/drawing/2010/main" xmlns="" val="0"/>
               </a:ext>
             </a:extLst>
           </a:blip>
@@ -12125,7 +12125,7 @@
     </p:spTree>
     <p:extLst>
       <p:ext uri="{BB962C8B-B14F-4D97-AF65-F5344CB8AC3E}">
-        <p14:creationId xmlns="" xmlns:p14="http://schemas.microsoft.com/office/powerpoint/2010/main" val="633633542"/>
+        <p14:creationId xmlns:p14="http://schemas.microsoft.com/office/powerpoint/2010/main" xmlns="" val="633633542"/>
       </p:ext>
     </p:extLst>
   </p:cSld>
@@ -12198,14 +12198,14 @@
           <a:noFill/>
           <a:extLst>
             <a:ext uri="{909E8E84-426E-40DD-AFC4-6F175D3DCCD1}">
-              <a14:hiddenFill xmlns="" xmlns:a14="http://schemas.microsoft.com/office/drawing/2010/main">
+              <a14:hiddenFill xmlns:a14="http://schemas.microsoft.com/office/drawing/2010/main" xmlns="">
                 <a:solidFill>
                   <a:srgbClr val="FFFFFF"/>
                 </a:solidFill>
               </a14:hiddenFill>
             </a:ext>
             <a:ext uri="{91240B29-F687-4F45-9708-019B960494DF}">
-              <a14:hiddenLine xmlns="" xmlns:a14="http://schemas.microsoft.com/office/drawing/2010/main" w="9525">
+              <a14:hiddenLine xmlns:a14="http://schemas.microsoft.com/office/drawing/2010/main" xmlns="" w="9525">
                 <a:solidFill>
                   <a:srgbClr val="000000"/>
                 </a:solidFill>
@@ -12395,7 +12395,7 @@
           <p:cNvPr id="3" name="Titre 2">
             <a:extLst>
               <a:ext uri="{FF2B5EF4-FFF2-40B4-BE49-F238E27FC236}">
-                <a16:creationId xmlns="" xmlns:a16="http://schemas.microsoft.com/office/drawing/2014/main" id="{C1ED60ED-3697-4B85-BFD4-0860C137D941}"/>
+                <a16:creationId xmlns:a16="http://schemas.microsoft.com/office/drawing/2014/main" xmlns="" id="{C1ED60ED-3697-4B85-BFD4-0860C137D941}"/>
               </a:ext>
             </a:extLst>
           </p:cNvPr>
@@ -12469,19 +12469,7 @@
           <a:p>
             <a:r>
               <a:rPr lang="fr-FR" dirty="0" smtClean="0"/>
-              <a:t>Basé sur les estimations </a:t>
-            </a:r>
-            <a:r>
-              <a:rPr lang="fr-FR" dirty="0" smtClean="0"/>
-              <a:t>des Report de </a:t>
-            </a:r>
-            <a:r>
-              <a:rPr lang="fr-FR" dirty="0" smtClean="0"/>
-              <a:t>votes </a:t>
-            </a:r>
-            <a:r>
-              <a:rPr lang="fr-FR" dirty="0" smtClean="0"/>
-              <a:t>entre le 1</a:t>
+              <a:t>Basé sur les estimations des Report de votes entre le 1</a:t>
             </a:r>
             <a:r>
               <a:rPr lang="fr-FR" baseline="30000" dirty="0" smtClean="0"/>
@@ -12497,11 +12485,7 @@
             </a:r>
             <a:r>
               <a:rPr lang="fr-FR" dirty="0" smtClean="0"/>
-              <a:t> tour des </a:t>
-            </a:r>
-            <a:r>
-              <a:rPr lang="fr-FR" dirty="0" smtClean="0"/>
-              <a:t>législatives.</a:t>
+              <a:t> tour des législatives.</a:t>
             </a:r>
             <a:endParaRPr lang="fr-FR" dirty="0"/>
           </a:p>
@@ -12531,23 +12515,7 @@
           <a:p>
             <a:r>
               <a:rPr lang="fr-FR" dirty="0" smtClean="0"/>
-              <a:t>M</a:t>
-            </a:r>
-            <a:r>
-              <a:rPr lang="fr-FR" dirty="0" smtClean="0"/>
-              <a:t>atrice </a:t>
-            </a:r>
-            <a:r>
-              <a:rPr lang="fr-FR" dirty="0" smtClean="0"/>
-              <a:t>de corrélations candidats </a:t>
-            </a:r>
-            <a:r>
-              <a:rPr lang="fr-FR" dirty="0" smtClean="0"/>
-              <a:t>présidentiels/nuance </a:t>
-            </a:r>
-            <a:r>
-              <a:rPr lang="fr-FR" dirty="0" smtClean="0"/>
-              <a:t>politique.</a:t>
+              <a:t>Matrice de corrélations candidats présidentiels/nuance politique.</a:t>
             </a:r>
             <a:endParaRPr lang="fr-FR" dirty="0"/>
           </a:p>
@@ -12689,7 +12657,7 @@
     </p:spTree>
     <p:extLst>
       <p:ext uri="{BB962C8B-B14F-4D97-AF65-F5344CB8AC3E}">
-        <p14:creationId xmlns="" xmlns:p14="http://schemas.microsoft.com/office/powerpoint/2010/main" val="633633542"/>
+        <p14:creationId xmlns:p14="http://schemas.microsoft.com/office/powerpoint/2010/main" xmlns="" val="633633542"/>
       </p:ext>
     </p:extLst>
   </p:cSld>
@@ -12762,14 +12730,14 @@
           <a:noFill/>
           <a:extLst>
             <a:ext uri="{909E8E84-426E-40DD-AFC4-6F175D3DCCD1}">
-              <a14:hiddenFill xmlns="" xmlns:a14="http://schemas.microsoft.com/office/drawing/2010/main">
+              <a14:hiddenFill xmlns:a14="http://schemas.microsoft.com/office/drawing/2010/main" xmlns="">
                 <a:solidFill>
                   <a:srgbClr val="FFFFFF"/>
                 </a:solidFill>
               </a14:hiddenFill>
             </a:ext>
             <a:ext uri="{91240B29-F687-4F45-9708-019B960494DF}">
-              <a14:hiddenLine xmlns="" xmlns:a14="http://schemas.microsoft.com/office/drawing/2010/main" w="9525">
+              <a14:hiddenLine xmlns:a14="http://schemas.microsoft.com/office/drawing/2010/main" xmlns="" w="9525">
                 <a:solidFill>
                   <a:srgbClr val="000000"/>
                 </a:solidFill>
@@ -12959,7 +12927,7 @@
           <p:cNvPr id="3" name="Titre 2">
             <a:extLst>
               <a:ext uri="{FF2B5EF4-FFF2-40B4-BE49-F238E27FC236}">
-                <a16:creationId xmlns="" xmlns:a16="http://schemas.microsoft.com/office/drawing/2014/main" id="{C1ED60ED-3697-4B85-BFD4-0860C137D941}"/>
+                <a16:creationId xmlns:a16="http://schemas.microsoft.com/office/drawing/2014/main" xmlns="" id="{C1ED60ED-3697-4B85-BFD4-0860C137D941}"/>
               </a:ext>
             </a:extLst>
           </p:cNvPr>
@@ -13605,7 +13573,7 @@
         <p:spPr>
           <a:xfrm>
             <a:off x="611560" y="1268760"/>
-            <a:ext cx="6624736" cy="1754326"/>
+            <a:ext cx="6624736" cy="1477328"/>
           </a:xfrm>
           <a:prstGeom prst="rect">
             <a:avLst/>
@@ -13668,62 +13636,20 @@
             </a:pPr>
             <a:r>
               <a:rPr lang="fr-FR" dirty="0" smtClean="0"/>
-              <a:t> Les résultats des élections législatives 2012.</a:t>
+              <a:t> Les résultats des élections législatives 2012</a:t>
             </a:r>
-          </a:p>
-          <a:p>
-            <a:pPr>
-              <a:buFontTx/>
-              <a:buChar char="-"/>
-            </a:pPr>
             <a:r>
               <a:rPr lang="fr-FR" dirty="0" smtClean="0"/>
-              <a:t> Analyse des sentiments.</a:t>
+              <a:t>.</a:t>
             </a:r>
-            <a:endParaRPr lang="fr-FR" dirty="0"/>
+            <a:endParaRPr lang="fr-FR" dirty="0" smtClean="0"/>
           </a:p>
         </p:txBody>
       </p:sp>
-      <p:pic>
-        <p:nvPicPr>
-          <p:cNvPr id="28" name="Image 27">
-            <a:extLst>
-              <a:ext uri="{FF2B5EF4-FFF2-40B4-BE49-F238E27FC236}">
-                <a16:creationId xmlns="" xmlns:a16="http://schemas.microsoft.com/office/drawing/2014/main" id="{E38C7850-3B35-4032-91D5-6081060B54DE}"/>
-              </a:ext>
-            </a:extLst>
-          </p:cNvPr>
-          <p:cNvPicPr>
-            <a:picLocks noChangeAspect="1"/>
-          </p:cNvPicPr>
-          <p:nvPr/>
-        </p:nvPicPr>
-        <p:blipFill>
-          <a:blip r:embed="rId8" cstate="print">
-            <a:extLst>
-              <a:ext uri="{28A0092B-C50C-407E-A947-70E740481C1C}">
-                <a14:useLocalDpi xmlns="" xmlns:a14="http://schemas.microsoft.com/office/drawing/2010/main" val="0"/>
-              </a:ext>
-            </a:extLst>
-          </a:blip>
-          <a:stretch>
-            <a:fillRect/>
-          </a:stretch>
-        </p:blipFill>
-        <p:spPr>
-          <a:xfrm>
-            <a:off x="5940152" y="2204864"/>
-            <a:ext cx="1368152" cy="1368152"/>
-          </a:xfrm>
-          <a:prstGeom prst="rect">
-            <a:avLst/>
-          </a:prstGeom>
-        </p:spPr>
-      </p:pic>
     </p:spTree>
     <p:extLst>
       <p:ext uri="{BB962C8B-B14F-4D97-AF65-F5344CB8AC3E}">
-        <p14:creationId xmlns="" xmlns:p14="http://schemas.microsoft.com/office/powerpoint/2010/main" val="633633542"/>
+        <p14:creationId xmlns:p14="http://schemas.microsoft.com/office/powerpoint/2010/main" xmlns="" val="633633542"/>
       </p:ext>
     </p:extLst>
   </p:cSld>
@@ -13789,7 +13715,7 @@
         <p:spPr>
           <a:xfrm>
             <a:off x="755576" y="1484784"/>
-            <a:ext cx="3641190" cy="646331"/>
+            <a:ext cx="6223563" cy="369332"/>
           </a:xfrm>
           <a:prstGeom prst="rect">
             <a:avLst/>
@@ -13804,30 +13730,48 @@
           <a:p>
             <a:r>
               <a:rPr lang="fr-FR" dirty="0" smtClean="0"/>
-              <a:t>Résultats du 1</a:t>
+              <a:t>Amélioration du modèle 2 en rajoutant l’analyse des sentiments.</a:t>
             </a:r>
-            <a:r>
-              <a:rPr lang="fr-FR" baseline="30000" dirty="0" smtClean="0"/>
-              <a:t>er</a:t>
-            </a:r>
-            <a:r>
-              <a:rPr lang="fr-FR" dirty="0" smtClean="0"/>
-              <a:t> tour des législatives?</a:t>
-            </a:r>
-          </a:p>
-          <a:p>
-            <a:r>
-              <a:rPr lang="fr-FR" smtClean="0"/>
-              <a:t>Correction/Amélioration </a:t>
-            </a:r>
-            <a:r>
-              <a:rPr lang="fr-FR" dirty="0" smtClean="0"/>
-              <a:t>du modèle.</a:t>
-            </a:r>
-            <a:endParaRPr lang="fr-FR" dirty="0"/>
+            <a:endParaRPr lang="fr-FR" dirty="0" smtClean="0"/>
           </a:p>
         </p:txBody>
       </p:sp>
+      <p:pic>
+        <p:nvPicPr>
+          <p:cNvPr id="4" name="Image 3">
+            <a:extLst>
+              <a:ext uri="{FF2B5EF4-FFF2-40B4-BE49-F238E27FC236}">
+                <a16:creationId xmlns:a16="http://schemas.microsoft.com/office/drawing/2014/main" xmlns="" id="{E38C7850-3B35-4032-91D5-6081060B54DE}"/>
+              </a:ext>
+            </a:extLst>
+          </p:cNvPr>
+          <p:cNvPicPr>
+            <a:picLocks noChangeAspect="1"/>
+          </p:cNvPicPr>
+          <p:nvPr/>
+        </p:nvPicPr>
+        <p:blipFill>
+          <a:blip r:embed="rId2" cstate="print">
+            <a:extLst>
+              <a:ext uri="{28A0092B-C50C-407E-A947-70E740481C1C}">
+                <a14:useLocalDpi xmlns:a14="http://schemas.microsoft.com/office/drawing/2010/main" xmlns="" val="0"/>
+              </a:ext>
+            </a:extLst>
+          </a:blip>
+          <a:stretch>
+            <a:fillRect/>
+          </a:stretch>
+        </p:blipFill>
+        <p:spPr>
+          <a:xfrm>
+            <a:off x="2555776" y="2348880"/>
+            <a:ext cx="1368152" cy="1368152"/>
+          </a:xfrm>
+          <a:prstGeom prst="rect">
+            <a:avLst/>
+          </a:prstGeom>
+        </p:spPr>
+      </p:pic>
     </p:spTree>
   </p:cSld>
   <p:clrMapOvr>
@@ -13892,14 +13836,14 @@
           <a:noFill/>
           <a:extLst>
             <a:ext uri="{909E8E84-426E-40DD-AFC4-6F175D3DCCD1}">
-              <a14:hiddenFill xmlns="" xmlns:a14="http://schemas.microsoft.com/office/drawing/2010/main">
+              <a14:hiddenFill xmlns:a14="http://schemas.microsoft.com/office/drawing/2010/main" xmlns="">
                 <a:solidFill>
                   <a:srgbClr val="FFFFFF"/>
                 </a:solidFill>
               </a14:hiddenFill>
             </a:ext>
             <a:ext uri="{91240B29-F687-4F45-9708-019B960494DF}">
-              <a14:hiddenLine xmlns="" xmlns:a14="http://schemas.microsoft.com/office/drawing/2010/main" w="9525">
+              <a14:hiddenLine xmlns:a14="http://schemas.microsoft.com/office/drawing/2010/main" xmlns="" w="9525">
                 <a:solidFill>
                   <a:srgbClr val="000000"/>
                 </a:solidFill>
@@ -14089,7 +14033,7 @@
           <p:cNvPr id="5" name="ZoneTexte 4">
             <a:extLst>
               <a:ext uri="{FF2B5EF4-FFF2-40B4-BE49-F238E27FC236}">
-                <a16:creationId xmlns="" xmlns:a16="http://schemas.microsoft.com/office/drawing/2014/main" id="{0AD616CE-A12C-4C71-960F-8C0E8DEDD16F}"/>
+                <a16:creationId xmlns:a16="http://schemas.microsoft.com/office/drawing/2014/main" xmlns="" id="{0AD616CE-A12C-4C71-960F-8C0E8DEDD16F}"/>
               </a:ext>
             </a:extLst>
           </p:cNvPr>
@@ -14311,7 +14255,7 @@
           <p:cNvPr id="8" name="Connecteur droit 7">
             <a:extLst>
               <a:ext uri="{FF2B5EF4-FFF2-40B4-BE49-F238E27FC236}">
-                <a16:creationId xmlns="" xmlns:a16="http://schemas.microsoft.com/office/drawing/2014/main" id="{1C8A99E9-BFA4-49CD-85EF-691B885BEA4F}"/>
+                <a16:creationId xmlns:a16="http://schemas.microsoft.com/office/drawing/2014/main" xmlns="" id="{1C8A99E9-BFA4-49CD-85EF-691B885BEA4F}"/>
               </a:ext>
             </a:extLst>
           </p:cNvPr>
@@ -14349,7 +14293,7 @@
           <p:cNvPr id="6" name="Titre 5">
             <a:extLst>
               <a:ext uri="{FF2B5EF4-FFF2-40B4-BE49-F238E27FC236}">
-                <a16:creationId xmlns="" xmlns:a16="http://schemas.microsoft.com/office/drawing/2014/main" id="{E825C8C8-B0B4-45B5-9442-AFD19534E767}"/>
+                <a16:creationId xmlns:a16="http://schemas.microsoft.com/office/drawing/2014/main" xmlns="" id="{E825C8C8-B0B4-45B5-9442-AFD19534E767}"/>
               </a:ext>
             </a:extLst>
           </p:cNvPr>
@@ -14375,7 +14319,7 @@
     </p:spTree>
     <p:extLst>
       <p:ext uri="{BB962C8B-B14F-4D97-AF65-F5344CB8AC3E}">
-        <p14:creationId xmlns="" xmlns:p14="http://schemas.microsoft.com/office/powerpoint/2010/main" val="2112594139"/>
+        <p14:creationId xmlns:p14="http://schemas.microsoft.com/office/powerpoint/2010/main" xmlns="" val="2112594139"/>
       </p:ext>
     </p:extLst>
   </p:cSld>
@@ -14698,14 +14642,14 @@
           <a:noFill/>
           <a:extLst>
             <a:ext uri="{909E8E84-426E-40DD-AFC4-6F175D3DCCD1}">
-              <a14:hiddenFill xmlns="" xmlns:a14="http://schemas.microsoft.com/office/drawing/2010/main">
+              <a14:hiddenFill xmlns:a14="http://schemas.microsoft.com/office/drawing/2010/main" xmlns="">
                 <a:solidFill>
                   <a:srgbClr val="FFFFFF"/>
                 </a:solidFill>
               </a14:hiddenFill>
             </a:ext>
             <a:ext uri="{91240B29-F687-4F45-9708-019B960494DF}">
-              <a14:hiddenLine xmlns="" xmlns:a14="http://schemas.microsoft.com/office/drawing/2010/main" w="9525">
+              <a14:hiddenLine xmlns:a14="http://schemas.microsoft.com/office/drawing/2010/main" xmlns="" w="9525">
                 <a:solidFill>
                   <a:srgbClr val="000000"/>
                 </a:solidFill>
@@ -14895,7 +14839,7 @@
           <p:cNvPr id="5" name="ZoneTexte 4">
             <a:extLst>
               <a:ext uri="{FF2B5EF4-FFF2-40B4-BE49-F238E27FC236}">
-                <a16:creationId xmlns="" xmlns:a16="http://schemas.microsoft.com/office/drawing/2014/main" id="{0AD616CE-A12C-4C71-960F-8C0E8DEDD16F}"/>
+                <a16:creationId xmlns:a16="http://schemas.microsoft.com/office/drawing/2014/main" xmlns="" id="{0AD616CE-A12C-4C71-960F-8C0E8DEDD16F}"/>
               </a:ext>
             </a:extLst>
           </p:cNvPr>
@@ -15092,7 +15036,7 @@
           <p:cNvPr id="8" name="Connecteur droit 7">
             <a:extLst>
               <a:ext uri="{FF2B5EF4-FFF2-40B4-BE49-F238E27FC236}">
-                <a16:creationId xmlns="" xmlns:a16="http://schemas.microsoft.com/office/drawing/2014/main" id="{1C8A99E9-BFA4-49CD-85EF-691B885BEA4F}"/>
+                <a16:creationId xmlns:a16="http://schemas.microsoft.com/office/drawing/2014/main" xmlns="" id="{1C8A99E9-BFA4-49CD-85EF-691B885BEA4F}"/>
               </a:ext>
             </a:extLst>
           </p:cNvPr>
@@ -15130,7 +15074,7 @@
           <p:cNvPr id="6" name="Titre 5">
             <a:extLst>
               <a:ext uri="{FF2B5EF4-FFF2-40B4-BE49-F238E27FC236}">
-                <a16:creationId xmlns="" xmlns:a16="http://schemas.microsoft.com/office/drawing/2014/main" id="{E825C8C8-B0B4-45B5-9442-AFD19534E767}"/>
+                <a16:creationId xmlns:a16="http://schemas.microsoft.com/office/drawing/2014/main" xmlns="" id="{E825C8C8-B0B4-45B5-9442-AFD19534E767}"/>
               </a:ext>
             </a:extLst>
           </p:cNvPr>
@@ -15156,7 +15100,7 @@
     </p:spTree>
     <p:extLst>
       <p:ext uri="{BB962C8B-B14F-4D97-AF65-F5344CB8AC3E}">
-        <p14:creationId xmlns="" xmlns:p14="http://schemas.microsoft.com/office/powerpoint/2010/main" val="495283694"/>
+        <p14:creationId xmlns:p14="http://schemas.microsoft.com/office/powerpoint/2010/main" xmlns="" val="495283694"/>
       </p:ext>
     </p:extLst>
   </p:cSld>
@@ -15222,14 +15166,14 @@
           <a:noFill/>
           <a:extLst>
             <a:ext uri="{909E8E84-426E-40DD-AFC4-6F175D3DCCD1}">
-              <a14:hiddenFill xmlns="" xmlns:a14="http://schemas.microsoft.com/office/drawing/2010/main">
+              <a14:hiddenFill xmlns:a14="http://schemas.microsoft.com/office/drawing/2010/main" xmlns="">
                 <a:solidFill>
                   <a:srgbClr val="FFFFFF"/>
                 </a:solidFill>
               </a14:hiddenFill>
             </a:ext>
             <a:ext uri="{91240B29-F687-4F45-9708-019B960494DF}">
-              <a14:hiddenLine xmlns="" xmlns:a14="http://schemas.microsoft.com/office/drawing/2010/main" w="9525">
+              <a14:hiddenLine xmlns:a14="http://schemas.microsoft.com/office/drawing/2010/main" xmlns="" w="9525">
                 <a:solidFill>
                   <a:srgbClr val="000000"/>
                 </a:solidFill>
@@ -15419,7 +15363,7 @@
           <p:cNvPr id="5" name="ZoneTexte 4">
             <a:extLst>
               <a:ext uri="{FF2B5EF4-FFF2-40B4-BE49-F238E27FC236}">
-                <a16:creationId xmlns="" xmlns:a16="http://schemas.microsoft.com/office/drawing/2014/main" id="{0AD616CE-A12C-4C71-960F-8C0E8DEDD16F}"/>
+                <a16:creationId xmlns:a16="http://schemas.microsoft.com/office/drawing/2014/main" xmlns="" id="{0AD616CE-A12C-4C71-960F-8C0E8DEDD16F}"/>
               </a:ext>
             </a:extLst>
           </p:cNvPr>
@@ -15644,7 +15588,7 @@
           <p:cNvPr id="8" name="Connecteur droit 7">
             <a:extLst>
               <a:ext uri="{FF2B5EF4-FFF2-40B4-BE49-F238E27FC236}">
-                <a16:creationId xmlns="" xmlns:a16="http://schemas.microsoft.com/office/drawing/2014/main" id="{1C8A99E9-BFA4-49CD-85EF-691B885BEA4F}"/>
+                <a16:creationId xmlns:a16="http://schemas.microsoft.com/office/drawing/2014/main" xmlns="" id="{1C8A99E9-BFA4-49CD-85EF-691B885BEA4F}"/>
               </a:ext>
             </a:extLst>
           </p:cNvPr>
@@ -15682,7 +15626,7 @@
           <p:cNvPr id="3" name="Titre 2">
             <a:extLst>
               <a:ext uri="{FF2B5EF4-FFF2-40B4-BE49-F238E27FC236}">
-                <a16:creationId xmlns="" xmlns:a16="http://schemas.microsoft.com/office/drawing/2014/main" id="{BF9F58E5-1CA1-41EF-BF06-09204725B4A4}"/>
+                <a16:creationId xmlns:a16="http://schemas.microsoft.com/office/drawing/2014/main" xmlns="" id="{BF9F58E5-1CA1-41EF-BF06-09204725B4A4}"/>
               </a:ext>
             </a:extLst>
           </p:cNvPr>
@@ -15708,7 +15652,7 @@
     </p:spTree>
     <p:extLst>
       <p:ext uri="{BB962C8B-B14F-4D97-AF65-F5344CB8AC3E}">
-        <p14:creationId xmlns="" xmlns:p14="http://schemas.microsoft.com/office/powerpoint/2010/main" val="773482556"/>
+        <p14:creationId xmlns:p14="http://schemas.microsoft.com/office/powerpoint/2010/main" xmlns="" val="773482556"/>
       </p:ext>
     </p:extLst>
   </p:cSld>
@@ -15785,14 +15729,14 @@
           <a:noFill/>
           <a:extLst>
             <a:ext uri="{909E8E84-426E-40DD-AFC4-6F175D3DCCD1}">
-              <a14:hiddenFill xmlns="" xmlns:a14="http://schemas.microsoft.com/office/drawing/2010/main">
+              <a14:hiddenFill xmlns:a14="http://schemas.microsoft.com/office/drawing/2010/main" xmlns="">
                 <a:solidFill>
                   <a:srgbClr val="FFFFFF"/>
                 </a:solidFill>
               </a14:hiddenFill>
             </a:ext>
             <a:ext uri="{91240B29-F687-4F45-9708-019B960494DF}">
-              <a14:hiddenLine xmlns="" xmlns:a14="http://schemas.microsoft.com/office/drawing/2010/main" w="9525">
+              <a14:hiddenLine xmlns:a14="http://schemas.microsoft.com/office/drawing/2010/main" xmlns="" w="9525">
                 <a:solidFill>
                   <a:srgbClr val="000000"/>
                 </a:solidFill>
@@ -15982,7 +15926,7 @@
           <p:cNvPr id="3" name="Titre 2">
             <a:extLst>
               <a:ext uri="{FF2B5EF4-FFF2-40B4-BE49-F238E27FC236}">
-                <a16:creationId xmlns="" xmlns:a16="http://schemas.microsoft.com/office/drawing/2014/main" id="{CF8261D2-13E6-4652-A3E5-3B0F1EAB8E3B}"/>
+                <a16:creationId xmlns:a16="http://schemas.microsoft.com/office/drawing/2014/main" xmlns="" id="{CF8261D2-13E6-4652-A3E5-3B0F1EAB8E3B}"/>
               </a:ext>
             </a:extLst>
           </p:cNvPr>
@@ -16010,7 +15954,7 @@
           <p:cNvPr id="6" name="Diagramme 5">
             <a:extLst>
               <a:ext uri="{FF2B5EF4-FFF2-40B4-BE49-F238E27FC236}">
-                <a16:creationId xmlns="" xmlns:a16="http://schemas.microsoft.com/office/drawing/2014/main" id="{FDF9BA34-276F-4FB0-B9F9-9F05ACBBAF53}"/>
+                <a16:creationId xmlns:a16="http://schemas.microsoft.com/office/drawing/2014/main" xmlns="" id="{FDF9BA34-276F-4FB0-B9F9-9F05ACBBAF53}"/>
               </a:ext>
             </a:extLst>
           </p:cNvPr>
@@ -16018,7 +15962,7 @@
           <p:nvPr>
             <p:extLst>
               <p:ext uri="{D42A27DB-BD31-4B8C-83A1-F6EECF244321}">
-                <p14:modId xmlns="" xmlns:p14="http://schemas.microsoft.com/office/powerpoint/2010/main" val="1654589037"/>
+                <p14:modId xmlns:p14="http://schemas.microsoft.com/office/powerpoint/2010/main" xmlns="" val="1654589037"/>
               </p:ext>
             </p:extLst>
           </p:nvPr>
@@ -16036,7 +15980,7 @@
     </p:spTree>
     <p:extLst>
       <p:ext uri="{BB962C8B-B14F-4D97-AF65-F5344CB8AC3E}">
-        <p14:creationId xmlns="" xmlns:p14="http://schemas.microsoft.com/office/powerpoint/2010/main" val="495283694"/>
+        <p14:creationId xmlns:p14="http://schemas.microsoft.com/office/powerpoint/2010/main" xmlns="" val="495283694"/>
       </p:ext>
     </p:extLst>
   </p:cSld>
@@ -16109,14 +16053,14 @@
           <a:noFill/>
           <a:extLst>
             <a:ext uri="{909E8E84-426E-40DD-AFC4-6F175D3DCCD1}">
-              <a14:hiddenFill xmlns="" xmlns:a14="http://schemas.microsoft.com/office/drawing/2010/main">
+              <a14:hiddenFill xmlns:a14="http://schemas.microsoft.com/office/drawing/2010/main" xmlns="">
                 <a:solidFill>
                   <a:srgbClr val="FFFFFF"/>
                 </a:solidFill>
               </a14:hiddenFill>
             </a:ext>
             <a:ext uri="{91240B29-F687-4F45-9708-019B960494DF}">
-              <a14:hiddenLine xmlns="" xmlns:a14="http://schemas.microsoft.com/office/drawing/2010/main" w="9525">
+              <a14:hiddenLine xmlns:a14="http://schemas.microsoft.com/office/drawing/2010/main" xmlns="" w="9525">
                 <a:solidFill>
                   <a:srgbClr val="000000"/>
                 </a:solidFill>
@@ -16306,7 +16250,7 @@
           <p:cNvPr id="5" name="ZoneTexte 4">
             <a:extLst>
               <a:ext uri="{FF2B5EF4-FFF2-40B4-BE49-F238E27FC236}">
-                <a16:creationId xmlns="" xmlns:a16="http://schemas.microsoft.com/office/drawing/2014/main" id="{0AD616CE-A12C-4C71-960F-8C0E8DEDD16F}"/>
+                <a16:creationId xmlns:a16="http://schemas.microsoft.com/office/drawing/2014/main" xmlns="" id="{0AD616CE-A12C-4C71-960F-8C0E8DEDD16F}"/>
               </a:ext>
             </a:extLst>
           </p:cNvPr>
@@ -16531,7 +16475,7 @@
           <p:cNvPr id="8" name="Connecteur droit 7">
             <a:extLst>
               <a:ext uri="{FF2B5EF4-FFF2-40B4-BE49-F238E27FC236}">
-                <a16:creationId xmlns="" xmlns:a16="http://schemas.microsoft.com/office/drawing/2014/main" id="{1C8A99E9-BFA4-49CD-85EF-691B885BEA4F}"/>
+                <a16:creationId xmlns:a16="http://schemas.microsoft.com/office/drawing/2014/main" xmlns="" id="{1C8A99E9-BFA4-49CD-85EF-691B885BEA4F}"/>
               </a:ext>
             </a:extLst>
           </p:cNvPr>
@@ -16569,7 +16513,7 @@
           <p:cNvPr id="6" name="Titre 5">
             <a:extLst>
               <a:ext uri="{FF2B5EF4-FFF2-40B4-BE49-F238E27FC236}">
-                <a16:creationId xmlns="" xmlns:a16="http://schemas.microsoft.com/office/drawing/2014/main" id="{E825C8C8-B0B4-45B5-9442-AFD19534E767}"/>
+                <a16:creationId xmlns:a16="http://schemas.microsoft.com/office/drawing/2014/main" xmlns="" id="{E825C8C8-B0B4-45B5-9442-AFD19534E767}"/>
               </a:ext>
             </a:extLst>
           </p:cNvPr>
@@ -16595,7 +16539,7 @@
     </p:spTree>
     <p:extLst>
       <p:ext uri="{BB962C8B-B14F-4D97-AF65-F5344CB8AC3E}">
-        <p14:creationId xmlns="" xmlns:p14="http://schemas.microsoft.com/office/powerpoint/2010/main" val="2173298853"/>
+        <p14:creationId xmlns:p14="http://schemas.microsoft.com/office/powerpoint/2010/main" xmlns="" val="2173298853"/>
       </p:ext>
     </p:extLst>
   </p:cSld>
@@ -16668,14 +16612,14 @@
           <a:noFill/>
           <a:extLst>
             <a:ext uri="{909E8E84-426E-40DD-AFC4-6F175D3DCCD1}">
-              <a14:hiddenFill xmlns="" xmlns:a14="http://schemas.microsoft.com/office/drawing/2010/main">
+              <a14:hiddenFill xmlns:a14="http://schemas.microsoft.com/office/drawing/2010/main" xmlns="">
                 <a:solidFill>
                   <a:srgbClr val="FFFFFF"/>
                 </a:solidFill>
               </a14:hiddenFill>
             </a:ext>
             <a:ext uri="{91240B29-F687-4F45-9708-019B960494DF}">
-              <a14:hiddenLine xmlns="" xmlns:a14="http://schemas.microsoft.com/office/drawing/2010/main" w="9525">
+              <a14:hiddenLine xmlns:a14="http://schemas.microsoft.com/office/drawing/2010/main" xmlns="" w="9525">
                 <a:solidFill>
                   <a:srgbClr val="000000"/>
                 </a:solidFill>
@@ -16865,7 +16809,7 @@
           <p:cNvPr id="3" name="Titre 2">
             <a:extLst>
               <a:ext uri="{FF2B5EF4-FFF2-40B4-BE49-F238E27FC236}">
-                <a16:creationId xmlns="" xmlns:a16="http://schemas.microsoft.com/office/drawing/2014/main" id="{C1ED60ED-3697-4B85-BFD4-0860C137D941}"/>
+                <a16:creationId xmlns:a16="http://schemas.microsoft.com/office/drawing/2014/main" xmlns="" id="{C1ED60ED-3697-4B85-BFD4-0860C137D941}"/>
               </a:ext>
             </a:extLst>
           </p:cNvPr>
@@ -16893,7 +16837,7 @@
           <p:cNvPr id="5" name="ZoneTexte 4">
             <a:extLst>
               <a:ext uri="{FF2B5EF4-FFF2-40B4-BE49-F238E27FC236}">
-                <a16:creationId xmlns="" xmlns:a16="http://schemas.microsoft.com/office/drawing/2014/main" id="{0C003D17-91A2-48AF-8645-F04C1503E8C7}"/>
+                <a16:creationId xmlns:a16="http://schemas.microsoft.com/office/drawing/2014/main" xmlns="" id="{0C003D17-91A2-48AF-8645-F04C1503E8C7}"/>
               </a:ext>
             </a:extLst>
           </p:cNvPr>
@@ -19564,7 +19508,7 @@
     </p:spTree>
     <p:extLst>
       <p:ext uri="{BB962C8B-B14F-4D97-AF65-F5344CB8AC3E}">
-        <p14:creationId xmlns="" xmlns:p14="http://schemas.microsoft.com/office/powerpoint/2010/main" val="495283694"/>
+        <p14:creationId xmlns:p14="http://schemas.microsoft.com/office/powerpoint/2010/main" xmlns="" val="495283694"/>
       </p:ext>
     </p:extLst>
   </p:cSld>
@@ -19637,14 +19581,14 @@
           <a:noFill/>
           <a:extLst>
             <a:ext uri="{909E8E84-426E-40DD-AFC4-6F175D3DCCD1}">
-              <a14:hiddenFill xmlns="" xmlns:a14="http://schemas.microsoft.com/office/drawing/2010/main">
+              <a14:hiddenFill xmlns:a14="http://schemas.microsoft.com/office/drawing/2010/main" xmlns="">
                 <a:solidFill>
                   <a:srgbClr val="FFFFFF"/>
                 </a:solidFill>
               </a14:hiddenFill>
             </a:ext>
             <a:ext uri="{91240B29-F687-4F45-9708-019B960494DF}">
-              <a14:hiddenLine xmlns="" xmlns:a14="http://schemas.microsoft.com/office/drawing/2010/main" w="9525">
+              <a14:hiddenLine xmlns:a14="http://schemas.microsoft.com/office/drawing/2010/main" xmlns="" w="9525">
                 <a:solidFill>
                   <a:srgbClr val="000000"/>
                 </a:solidFill>
@@ -19834,7 +19778,7 @@
           <p:cNvPr id="3" name="Titre 2">
             <a:extLst>
               <a:ext uri="{FF2B5EF4-FFF2-40B4-BE49-F238E27FC236}">
-                <a16:creationId xmlns="" xmlns:a16="http://schemas.microsoft.com/office/drawing/2014/main" id="{C1ED60ED-3697-4B85-BFD4-0860C137D941}"/>
+                <a16:creationId xmlns:a16="http://schemas.microsoft.com/office/drawing/2014/main" xmlns="" id="{C1ED60ED-3697-4B85-BFD4-0860C137D941}"/>
               </a:ext>
             </a:extLst>
           </p:cNvPr>
@@ -19862,7 +19806,7 @@
           <p:cNvPr id="5" name="ZoneTexte 4">
             <a:extLst>
               <a:ext uri="{FF2B5EF4-FFF2-40B4-BE49-F238E27FC236}">
-                <a16:creationId xmlns="" xmlns:a16="http://schemas.microsoft.com/office/drawing/2014/main" id="{0C003D17-91A2-48AF-8645-F04C1503E8C7}"/>
+                <a16:creationId xmlns:a16="http://schemas.microsoft.com/office/drawing/2014/main" xmlns="" id="{0C003D17-91A2-48AF-8645-F04C1503E8C7}"/>
               </a:ext>
             </a:extLst>
           </p:cNvPr>
@@ -19896,7 +19840,7 @@
     </p:spTree>
     <p:extLst>
       <p:ext uri="{BB962C8B-B14F-4D97-AF65-F5344CB8AC3E}">
-        <p14:creationId xmlns="" xmlns:p14="http://schemas.microsoft.com/office/powerpoint/2010/main" val="3598569719"/>
+        <p14:creationId xmlns:p14="http://schemas.microsoft.com/office/powerpoint/2010/main" xmlns="" val="3598569719"/>
       </p:ext>
     </p:extLst>
   </p:cSld>
@@ -20015,14 +19959,14 @@
           <a:noFill/>
           <a:extLst>
             <a:ext uri="{909E8E84-426E-40DD-AFC4-6F175D3DCCD1}">
-              <a14:hiddenFill xmlns="" xmlns:a14="http://schemas.microsoft.com/office/drawing/2010/main">
+              <a14:hiddenFill xmlns:a14="http://schemas.microsoft.com/office/drawing/2010/main" xmlns="">
                 <a:solidFill>
                   <a:srgbClr val="FFFFFF"/>
                 </a:solidFill>
               </a14:hiddenFill>
             </a:ext>
             <a:ext uri="{91240B29-F687-4F45-9708-019B960494DF}">
-              <a14:hiddenLine xmlns="" xmlns:a14="http://schemas.microsoft.com/office/drawing/2010/main" w="9525">
+              <a14:hiddenLine xmlns:a14="http://schemas.microsoft.com/office/drawing/2010/main" xmlns="" w="9525">
                 <a:solidFill>
                   <a:srgbClr val="000000"/>
                 </a:solidFill>
@@ -20212,7 +20156,7 @@
           <p:cNvPr id="3" name="Titre 2">
             <a:extLst>
               <a:ext uri="{FF2B5EF4-FFF2-40B4-BE49-F238E27FC236}">
-                <a16:creationId xmlns="" xmlns:a16="http://schemas.microsoft.com/office/drawing/2014/main" id="{C1ED60ED-3697-4B85-BFD4-0860C137D941}"/>
+                <a16:creationId xmlns:a16="http://schemas.microsoft.com/office/drawing/2014/main" xmlns="" id="{C1ED60ED-3697-4B85-BFD4-0860C137D941}"/>
               </a:ext>
             </a:extLst>
           </p:cNvPr>
@@ -20240,7 +20184,7 @@
           <p:cNvPr id="5" name="ZoneTexte 4">
             <a:extLst>
               <a:ext uri="{FF2B5EF4-FFF2-40B4-BE49-F238E27FC236}">
-                <a16:creationId xmlns="" xmlns:a16="http://schemas.microsoft.com/office/drawing/2014/main" id="{0C003D17-91A2-48AF-8645-F04C1503E8C7}"/>
+                <a16:creationId xmlns:a16="http://schemas.microsoft.com/office/drawing/2014/main" xmlns="" id="{0C003D17-91A2-48AF-8645-F04C1503E8C7}"/>
               </a:ext>
             </a:extLst>
           </p:cNvPr>
@@ -21006,7 +20950,7 @@
           <p:cNvPr id="37" name="Image 36">
             <a:extLst>
               <a:ext uri="{FF2B5EF4-FFF2-40B4-BE49-F238E27FC236}">
-                <a16:creationId xmlns="" xmlns:a16="http://schemas.microsoft.com/office/drawing/2014/main" id="{E38C7850-3B35-4032-91D5-6081060B54DE}"/>
+                <a16:creationId xmlns:a16="http://schemas.microsoft.com/office/drawing/2014/main" xmlns="" id="{E38C7850-3B35-4032-91D5-6081060B54DE}"/>
               </a:ext>
             </a:extLst>
           </p:cNvPr>
@@ -21019,7 +20963,7 @@
           <a:blip r:embed="rId7" cstate="print">
             <a:extLst>
               <a:ext uri="{28A0092B-C50C-407E-A947-70E740481C1C}">
-                <a14:useLocalDpi xmlns="" xmlns:a14="http://schemas.microsoft.com/office/drawing/2010/main" val="0"/>
+                <a14:useLocalDpi xmlns:a14="http://schemas.microsoft.com/office/drawing/2010/main" xmlns="" val="0"/>
               </a:ext>
             </a:extLst>
           </a:blip>
@@ -21117,7 +21061,7 @@
     </p:spTree>
     <p:extLst>
       <p:ext uri="{BB962C8B-B14F-4D97-AF65-F5344CB8AC3E}">
-        <p14:creationId xmlns="" xmlns:p14="http://schemas.microsoft.com/office/powerpoint/2010/main" val="3598569719"/>
+        <p14:creationId xmlns:p14="http://schemas.microsoft.com/office/powerpoint/2010/main" xmlns="" val="3598569719"/>
       </p:ext>
     </p:extLst>
   </p:cSld>
@@ -21190,14 +21134,14 @@
           <a:noFill/>
           <a:extLst>
             <a:ext uri="{909E8E84-426E-40DD-AFC4-6F175D3DCCD1}">
-              <a14:hiddenFill xmlns="" xmlns:a14="http://schemas.microsoft.com/office/drawing/2010/main">
+              <a14:hiddenFill xmlns:a14="http://schemas.microsoft.com/office/drawing/2010/main" xmlns="">
                 <a:solidFill>
                   <a:srgbClr val="FFFFFF"/>
                 </a:solidFill>
               </a14:hiddenFill>
             </a:ext>
             <a:ext uri="{91240B29-F687-4F45-9708-019B960494DF}">
-              <a14:hiddenLine xmlns="" xmlns:a14="http://schemas.microsoft.com/office/drawing/2010/main" w="9525">
+              <a14:hiddenLine xmlns:a14="http://schemas.microsoft.com/office/drawing/2010/main" xmlns="" w="9525">
                 <a:solidFill>
                   <a:srgbClr val="000000"/>
                 </a:solidFill>
@@ -21387,7 +21331,7 @@
           <p:cNvPr id="3" name="Titre 2">
             <a:extLst>
               <a:ext uri="{FF2B5EF4-FFF2-40B4-BE49-F238E27FC236}">
-                <a16:creationId xmlns="" xmlns:a16="http://schemas.microsoft.com/office/drawing/2014/main" id="{C1ED60ED-3697-4B85-BFD4-0860C137D941}"/>
+                <a16:creationId xmlns:a16="http://schemas.microsoft.com/office/drawing/2014/main" xmlns="" id="{C1ED60ED-3697-4B85-BFD4-0860C137D941}"/>
               </a:ext>
             </a:extLst>
           </p:cNvPr>
@@ -21415,7 +21359,7 @@
           <p:cNvPr id="7" name="Graphique 6" descr="Visage souriant blanc">
             <a:extLst>
               <a:ext uri="{FF2B5EF4-FFF2-40B4-BE49-F238E27FC236}">
-                <a16:creationId xmlns="" xmlns:a16="http://schemas.microsoft.com/office/drawing/2014/main" id="{7825C9AC-902C-4DA4-A708-9F400B37BC74}"/>
+                <a16:creationId xmlns:a16="http://schemas.microsoft.com/office/drawing/2014/main" xmlns="" id="{7825C9AC-902C-4DA4-A708-9F400B37BC74}"/>
               </a:ext>
             </a:extLst>
           </p:cNvPr>
@@ -21428,10 +21372,10 @@
           <a:blip r:embed="rId3" cstate="print">
             <a:extLst>
               <a:ext uri="{28A0092B-C50C-407E-A947-70E740481C1C}">
-                <a14:useLocalDpi xmlns="" xmlns:a14="http://schemas.microsoft.com/office/drawing/2010/main" val="0"/>
+                <a14:useLocalDpi xmlns:a14="http://schemas.microsoft.com/office/drawing/2010/main" xmlns="" val="0"/>
               </a:ext>
               <a:ext uri="{96DAC541-7B7A-43D3-8B79-37D633B846F1}">
-                <asvg:svgBlip xmlns="" xmlns:asvg="http://schemas.microsoft.com/office/drawing/2016/SVG/main" r:embed="rId4"/>
+                <asvg:svgBlip xmlns:asvg="http://schemas.microsoft.com/office/drawing/2016/SVG/main" xmlns="" r:embed="rId4"/>
               </a:ext>
             </a:extLst>
           </a:blip>
@@ -21454,7 +21398,7 @@
           <p:cNvPr id="9" name="Graphique 8" descr="Visage triste blanc">
             <a:extLst>
               <a:ext uri="{FF2B5EF4-FFF2-40B4-BE49-F238E27FC236}">
-                <a16:creationId xmlns="" xmlns:a16="http://schemas.microsoft.com/office/drawing/2014/main" id="{C870AECF-AFE8-46FF-AADE-CA4C50D1DCB1}"/>
+                <a16:creationId xmlns:a16="http://schemas.microsoft.com/office/drawing/2014/main" xmlns="" id="{C870AECF-AFE8-46FF-AADE-CA4C50D1DCB1}"/>
               </a:ext>
             </a:extLst>
           </p:cNvPr>
@@ -21467,10 +21411,10 @@
           <a:blip r:embed="rId5" cstate="print">
             <a:extLst>
               <a:ext uri="{28A0092B-C50C-407E-A947-70E740481C1C}">
-                <a14:useLocalDpi xmlns="" xmlns:a14="http://schemas.microsoft.com/office/drawing/2010/main" val="0"/>
+                <a14:useLocalDpi xmlns:a14="http://schemas.microsoft.com/office/drawing/2010/main" xmlns="" val="0"/>
               </a:ext>
               <a:ext uri="{96DAC541-7B7A-43D3-8B79-37D633B846F1}">
-                <asvg:svgBlip xmlns="" xmlns:asvg="http://schemas.microsoft.com/office/drawing/2016/SVG/main" r:embed="rId6"/>
+                <asvg:svgBlip xmlns:asvg="http://schemas.microsoft.com/office/drawing/2016/SVG/main" xmlns="" r:embed="rId6"/>
               </a:ext>
             </a:extLst>
           </a:blip>
@@ -21493,7 +21437,7 @@
           <p:cNvPr id="11" name="Rectangle : coins arrondis 10">
             <a:extLst>
               <a:ext uri="{FF2B5EF4-FFF2-40B4-BE49-F238E27FC236}">
-                <a16:creationId xmlns="" xmlns:a16="http://schemas.microsoft.com/office/drawing/2014/main" id="{19105DC5-E91F-4927-B9EB-C6F89545C262}"/>
+                <a16:creationId xmlns:a16="http://schemas.microsoft.com/office/drawing/2014/main" xmlns="" id="{19105DC5-E91F-4927-B9EB-C6F89545C262}"/>
               </a:ext>
             </a:extLst>
           </p:cNvPr>
@@ -21607,7 +21551,7 @@
           <p:cNvPr id="14" name="Rectangle : coins arrondis 13">
             <a:extLst>
               <a:ext uri="{FF2B5EF4-FFF2-40B4-BE49-F238E27FC236}">
-                <a16:creationId xmlns="" xmlns:a16="http://schemas.microsoft.com/office/drawing/2014/main" id="{D4FCDE67-531B-44D1-805B-C5D8401C9101}"/>
+                <a16:creationId xmlns:a16="http://schemas.microsoft.com/office/drawing/2014/main" xmlns="" id="{D4FCDE67-531B-44D1-805B-C5D8401C9101}"/>
               </a:ext>
             </a:extLst>
           </p:cNvPr>
@@ -21680,7 +21624,7 @@
           <p:cNvPr id="15" name="ZoneTexte 14">
             <a:extLst>
               <a:ext uri="{FF2B5EF4-FFF2-40B4-BE49-F238E27FC236}">
-                <a16:creationId xmlns="" xmlns:a16="http://schemas.microsoft.com/office/drawing/2014/main" id="{005055D7-DEB1-4FFB-B732-7D8FCB6275F1}"/>
+                <a16:creationId xmlns:a16="http://schemas.microsoft.com/office/drawing/2014/main" xmlns="" id="{005055D7-DEB1-4FFB-B732-7D8FCB6275F1}"/>
               </a:ext>
             </a:extLst>
           </p:cNvPr>
@@ -21714,7 +21658,7 @@
     </p:spTree>
     <p:extLst>
       <p:ext uri="{BB962C8B-B14F-4D97-AF65-F5344CB8AC3E}">
-        <p14:creationId xmlns="" xmlns:p14="http://schemas.microsoft.com/office/powerpoint/2010/main" val="482544534"/>
+        <p14:creationId xmlns:p14="http://schemas.microsoft.com/office/powerpoint/2010/main" xmlns="" val="482544534"/>
       </p:ext>
     </p:extLst>
   </p:cSld>
@@ -22020,7 +21964,7 @@
   <a:extraClrSchemeLst/>
   <a:extLst>
     <a:ext uri="{05A4C25C-085E-4340-85A3-A5531E510DB2}">
-      <thm15:themeFamily xmlns="" xmlns:thm15="http://schemas.microsoft.com/office/thememl/2012/main" name="Office Theme" id="{62F939B6-93AF-4DB8-9C6B-D6C7DFDC589F}" vid="{4A3C46E8-61CC-4603-A589-7422A47A8E4A}"/>
+      <thm15:themeFamily xmlns:thm15="http://schemas.microsoft.com/office/thememl/2012/main" xmlns="" name="Office Theme" id="{62F939B6-93AF-4DB8-9C6B-D6C7DFDC589F}" vid="{4A3C46E8-61CC-4603-A589-7422A47A8E4A}"/>
     </a:ext>
   </a:extLst>
 </a:theme>
